--- a/GroupBuy.pptx
+++ b/GroupBuy.pptx
@@ -5,7 +5,7 @@
     <p:sldMasterId id="2147483660" r:id="rId1"/>
   </p:sldMasterIdLst>
   <p:notesMasterIdLst>
-    <p:notesMasterId r:id="rId17"/>
+    <p:notesMasterId r:id="rId21"/>
   </p:notesMasterIdLst>
   <p:sldIdLst>
     <p:sldId id="256" r:id="rId2"/>
@@ -14,15 +14,19 @@
     <p:sldId id="270" r:id="rId5"/>
     <p:sldId id="257" r:id="rId6"/>
     <p:sldId id="258" r:id="rId7"/>
-    <p:sldId id="259" r:id="rId8"/>
-    <p:sldId id="260" r:id="rId9"/>
-    <p:sldId id="261" r:id="rId10"/>
-    <p:sldId id="264" r:id="rId11"/>
-    <p:sldId id="262" r:id="rId12"/>
-    <p:sldId id="266" r:id="rId13"/>
-    <p:sldId id="267" r:id="rId14"/>
-    <p:sldId id="268" r:id="rId15"/>
-    <p:sldId id="263" r:id="rId16"/>
+    <p:sldId id="271" r:id="rId8"/>
+    <p:sldId id="272" r:id="rId9"/>
+    <p:sldId id="274" r:id="rId10"/>
+    <p:sldId id="275" r:id="rId11"/>
+    <p:sldId id="259" r:id="rId12"/>
+    <p:sldId id="260" r:id="rId13"/>
+    <p:sldId id="261" r:id="rId14"/>
+    <p:sldId id="264" r:id="rId15"/>
+    <p:sldId id="262" r:id="rId16"/>
+    <p:sldId id="266" r:id="rId17"/>
+    <p:sldId id="267" r:id="rId18"/>
+    <p:sldId id="268" r:id="rId19"/>
+    <p:sldId id="263" r:id="rId20"/>
   </p:sldIdLst>
   <p:sldSz cx="12192000" cy="6858000"/>
   <p:notesSz cx="6858000" cy="9144000"/>
@@ -121,6 +125,11 @@
       </a:defRPr>
     </a:lvl9pPr>
   </p:defaultTextStyle>
+  <p:extLst>
+    <p:ext uri="{EFAFB233-063F-42B5-8137-9DF3F51BA10A}">
+      <p15:sldGuideLst xmlns:p15="http://schemas.microsoft.com/office/powerpoint/2012/main"/>
+    </p:ext>
+  </p:extLst>
 </p:presentation>
 </file>
 
@@ -206,7 +215,7 @@
           <a:p>
             <a:fld id="{360B1F58-718A-4135-8E80-E4A587C4248F}" type="datetimeFigureOut">
               <a:rPr lang="en-US" smtClean="0"/>
-              <a:t>6/25/2023</a:t>
+              <a:t>6/26/2023</a:t>
             </a:fld>
             <a:endParaRPr lang="en-US"/>
           </a:p>
@@ -6443,13 +6452,13 @@
   <p:clrMapOvr>
     <a:masterClrMapping/>
   </p:clrMapOvr>
-  <mc:AlternateContent xmlns:mc="http://schemas.openxmlformats.org/markup-compatibility/2006">
-    <mc:Choice xmlns:p14="http://schemas.microsoft.com/office/powerpoint/2010/main" Requires="p14">
+  <mc:AlternateContent xmlns:mc="http://schemas.openxmlformats.org/markup-compatibility/2006" xmlns:p14="http://schemas.microsoft.com/office/powerpoint/2010/main">
+    <mc:Choice Requires="p14">
       <p:transition spd="slow" p14:dur="3400">
         <p14:reveal/>
       </p:transition>
     </mc:Choice>
-    <mc:Fallback>
+    <mc:Fallback xmlns="">
       <p:transition spd="slow">
         <p:fade/>
       </p:transition>
@@ -6475,12 +6484,198 @@
           <a:chExt cx="0" cy="0"/>
         </a:xfrm>
       </p:grpSpPr>
+      <p:pic>
+        <p:nvPicPr>
+          <p:cNvPr id="15" name="Εικόνα 14" descr="Εικόνα που περιέχει κείμενο, στιγμιότυπο οθόνης, διάγραμμα, σχεδίαση&#10;&#10;Περιγραφή που δημιουργήθηκε αυτόματα">
+            <a:extLst>
+              <a:ext uri="{FF2B5EF4-FFF2-40B4-BE49-F238E27FC236}">
+                <a16:creationId xmlns:a16="http://schemas.microsoft.com/office/drawing/2014/main" id="{48E0A53E-FF78-859E-6A6A-B8B66988F4A0}"/>
+              </a:ext>
+            </a:extLst>
+          </p:cNvPr>
+          <p:cNvPicPr>
+            <a:picLocks noChangeAspect="1"/>
+          </p:cNvPicPr>
+          <p:nvPr/>
+        </p:nvPicPr>
+        <p:blipFill rotWithShape="1">
+          <a:blip r:embed="rId2">
+            <a:extLst>
+              <a:ext uri="{28A0092B-C50C-407E-A947-70E740481C1C}">
+                <a14:useLocalDpi xmlns:a14="http://schemas.microsoft.com/office/drawing/2010/main" val="0"/>
+              </a:ext>
+            </a:extLst>
+          </a:blip>
+          <a:srcRect t="46874"/>
+          <a:stretch/>
+        </p:blipFill>
+        <p:spPr>
+          <a:xfrm>
+            <a:off x="685800" y="2090002"/>
+            <a:ext cx="11355824" cy="4003625"/>
+          </a:xfrm>
+          <a:prstGeom prst="rect">
+            <a:avLst/>
+          </a:prstGeom>
+        </p:spPr>
+      </p:pic>
+      <p:pic>
+        <p:nvPicPr>
+          <p:cNvPr id="12" name="Εικόνα 11" descr="Εικόνα που περιέχει κείμενο, στιγμιότυπο οθόνης, διάγραμμα, σχεδίαση&#10;&#10;Περιγραφή που δημιουργήθηκε αυτόματα">
+            <a:extLst>
+              <a:ext uri="{FF2B5EF4-FFF2-40B4-BE49-F238E27FC236}">
+                <a16:creationId xmlns:a16="http://schemas.microsoft.com/office/drawing/2014/main" id="{9B3AFC33-78A2-A921-CE8A-A5AD9B26197C}"/>
+              </a:ext>
+            </a:extLst>
+          </p:cNvPr>
+          <p:cNvPicPr>
+            <a:picLocks noChangeAspect="1"/>
+          </p:cNvPicPr>
+          <p:nvPr/>
+        </p:nvPicPr>
+        <p:blipFill rotWithShape="1">
+          <a:blip r:embed="rId3">
+            <a:extLst>
+              <a:ext uri="{28A0092B-C50C-407E-A947-70E740481C1C}">
+                <a14:useLocalDpi xmlns:a14="http://schemas.microsoft.com/office/drawing/2010/main" val="0"/>
+              </a:ext>
+            </a:extLst>
+          </a:blip>
+          <a:srcRect t="46874"/>
+          <a:stretch/>
+        </p:blipFill>
+        <p:spPr>
+          <a:xfrm>
+            <a:off x="685801" y="2090002"/>
+            <a:ext cx="11355824" cy="4003625"/>
+          </a:xfrm>
+          <a:prstGeom prst="rect">
+            <a:avLst/>
+          </a:prstGeom>
+        </p:spPr>
+      </p:pic>
+      <p:pic>
+        <p:nvPicPr>
+          <p:cNvPr id="14" name="Θέση περιεχομένου 7" descr="Εικόνα που περιέχει στιγμιότυπο οθόνης, κείμενο, διάγραμμα, σχεδίαση&#10;&#10;Περιγραφή που δημιουργήθηκε αυτόματα">
+            <a:extLst>
+              <a:ext uri="{FF2B5EF4-FFF2-40B4-BE49-F238E27FC236}">
+                <a16:creationId xmlns:a16="http://schemas.microsoft.com/office/drawing/2014/main" id="{36712B5B-CE84-B43C-B434-69100E2D49DD}"/>
+              </a:ext>
+            </a:extLst>
+          </p:cNvPr>
+          <p:cNvPicPr>
+            <a:picLocks noChangeAspect="1"/>
+          </p:cNvPicPr>
+          <p:nvPr/>
+        </p:nvPicPr>
+        <p:blipFill rotWithShape="1">
+          <a:blip r:embed="rId4">
+            <a:extLst>
+              <a:ext uri="{28A0092B-C50C-407E-A947-70E740481C1C}">
+                <a14:useLocalDpi xmlns:a14="http://schemas.microsoft.com/office/drawing/2010/main" val="0"/>
+              </a:ext>
+            </a:extLst>
+          </a:blip>
+          <a:srcRect t="46441"/>
+          <a:stretch/>
+        </p:blipFill>
+        <p:spPr>
+          <a:xfrm>
+            <a:off x="685802" y="2057401"/>
+            <a:ext cx="11355823" cy="4036226"/>
+          </a:xfrm>
+          <a:prstGeom prst="rect">
+            <a:avLst/>
+          </a:prstGeom>
+        </p:spPr>
+      </p:pic>
+      <p:pic>
+        <p:nvPicPr>
+          <p:cNvPr id="13" name="Εικόνα 12" descr="Εικόνα που περιέχει στιγμιότυπο οθόνης, κείμενο, διάγραμμα, γραμμή&#10;&#10;Περιγραφή που δημιουργήθηκε αυτόματα">
+            <a:extLst>
+              <a:ext uri="{FF2B5EF4-FFF2-40B4-BE49-F238E27FC236}">
+                <a16:creationId xmlns:a16="http://schemas.microsoft.com/office/drawing/2014/main" id="{8B8D5017-086E-B897-442A-F905D5F175D7}"/>
+              </a:ext>
+            </a:extLst>
+          </p:cNvPr>
+          <p:cNvPicPr>
+            <a:picLocks noChangeAspect="1"/>
+          </p:cNvPicPr>
+          <p:nvPr/>
+        </p:nvPicPr>
+        <p:blipFill rotWithShape="1">
+          <a:blip r:embed="rId5">
+            <a:extLst>
+              <a:ext uri="{28A0092B-C50C-407E-A947-70E740481C1C}">
+                <a14:useLocalDpi xmlns:a14="http://schemas.microsoft.com/office/drawing/2010/main" val="0"/>
+              </a:ext>
+            </a:extLst>
+          </a:blip>
+          <a:srcRect t="46877"/>
+          <a:stretch/>
+        </p:blipFill>
+        <p:spPr>
+          <a:xfrm>
+            <a:off x="685799" y="2090002"/>
+            <a:ext cx="11355824" cy="4003373"/>
+          </a:xfrm>
+          <a:prstGeom prst="rect">
+            <a:avLst/>
+          </a:prstGeom>
+        </p:spPr>
+      </p:pic>
+      <p:sp>
+        <p:nvSpPr>
+          <p:cNvPr id="18" name="Ορθογώνιο 17">
+            <a:extLst>
+              <a:ext uri="{FF2B5EF4-FFF2-40B4-BE49-F238E27FC236}">
+                <a16:creationId xmlns:a16="http://schemas.microsoft.com/office/drawing/2014/main" id="{0D63C28B-D233-268E-5D7D-111EE02B2027}"/>
+              </a:ext>
+            </a:extLst>
+          </p:cNvPr>
+          <p:cNvSpPr/>
+          <p:nvPr/>
+        </p:nvSpPr>
+        <p:spPr>
+          <a:xfrm>
+            <a:off x="2625969" y="1032069"/>
+            <a:ext cx="9566031" cy="1025332"/>
+          </a:xfrm>
+          <a:prstGeom prst="rect">
+            <a:avLst/>
+          </a:prstGeom>
+        </p:spPr>
+        <p:style>
+          <a:lnRef idx="2">
+            <a:schemeClr val="dk1">
+              <a:shade val="15000"/>
+            </a:schemeClr>
+          </a:lnRef>
+          <a:fillRef idx="1">
+            <a:schemeClr val="dk1"/>
+          </a:fillRef>
+          <a:effectRef idx="0">
+            <a:schemeClr val="dk1"/>
+          </a:effectRef>
+          <a:fontRef idx="minor">
+            <a:schemeClr val="lt1"/>
+          </a:fontRef>
+        </p:style>
+        <p:txBody>
+          <a:bodyPr rtlCol="0" anchor="ctr"/>
+          <a:lstStyle/>
+          <a:p>
+            <a:pPr algn="ctr"/>
+            <a:endParaRPr lang="en-US"/>
+          </a:p>
+        </p:txBody>
+      </p:sp>
       <p:sp>
         <p:nvSpPr>
           <p:cNvPr id="2" name="Τίτλος 1">
             <a:extLst>
               <a:ext uri="{FF2B5EF4-FFF2-40B4-BE49-F238E27FC236}">
-                <a16:creationId xmlns:a16="http://schemas.microsoft.com/office/drawing/2014/main" id="{52C4F870-33A1-D5C6-86B9-8B6630EC39B2}"/>
+                <a16:creationId xmlns:a16="http://schemas.microsoft.com/office/drawing/2014/main" id="{40E590E0-9E9A-C772-A2DC-E8B941D6B130}"/>
               </a:ext>
             </a:extLst>
           </p:cNvPr>
@@ -6504,7 +6699,7 @@
                 <a:latin typeface="Cambria" panose="02040503050406030204" pitchFamily="18" charset="0"/>
                 <a:ea typeface="Cambria" panose="02040503050406030204" pitchFamily="18" charset="0"/>
               </a:rPr>
-              <a:t>Διαδικασια</a:t>
+              <a:t>Βαση</a:t>
             </a:r>
             <a:r>
               <a:rPr lang="el-GR" dirty="0">
@@ -6524,17 +6719,7 @@
                 <a:latin typeface="Cambria" panose="02040503050406030204" pitchFamily="18" charset="0"/>
                 <a:ea typeface="Cambria" panose="02040503050406030204" pitchFamily="18" charset="0"/>
               </a:rPr>
-              <a:t>Συμμετοχης</a:t>
-            </a:r>
-            <a:r>
-              <a:rPr lang="el-GR" dirty="0">
-                <a:solidFill>
-                  <a:srgbClr val="FFC000"/>
-                </a:solidFill>
-                <a:latin typeface="Cambria" panose="02040503050406030204" pitchFamily="18" charset="0"/>
-                <a:ea typeface="Cambria" panose="02040503050406030204" pitchFamily="18" charset="0"/>
-              </a:rPr>
-              <a:t> </a:t>
+              <a:t>δεδομενων</a:t>
             </a:r>
             <a:br>
               <a:rPr lang="el-GR" dirty="0">
@@ -6546,6 +6731,16 @@
               </a:rPr>
             </a:br>
             <a:r>
+              <a:rPr lang="en-US" dirty="0">
+                <a:solidFill>
+                  <a:srgbClr val="FFC000"/>
+                </a:solidFill>
+                <a:latin typeface="Cambria" panose="02040503050406030204" pitchFamily="18" charset="0"/>
+                <a:ea typeface="Cambria" panose="02040503050406030204" pitchFamily="18" charset="0"/>
+              </a:rPr>
+              <a:t>Group</a:t>
+            </a:r>
+            <a:r>
               <a:rPr lang="el-GR" dirty="0">
                 <a:solidFill>
                   <a:srgbClr val="FFC000"/>
@@ -6553,66 +6748,64 @@
                 <a:latin typeface="Cambria" panose="02040503050406030204" pitchFamily="18" charset="0"/>
                 <a:ea typeface="Cambria" panose="02040503050406030204" pitchFamily="18" charset="0"/>
               </a:rPr>
-              <a:t>σε </a:t>
-            </a:r>
-            <a:r>
-              <a:rPr lang="el-GR" dirty="0" err="1">
+              <a:t> </a:t>
+            </a:r>
+            <a:r>
+              <a:rPr lang="en-US" dirty="0">
                 <a:solidFill>
                   <a:srgbClr val="FFC000"/>
                 </a:solidFill>
                 <a:latin typeface="Cambria" panose="02040503050406030204" pitchFamily="18" charset="0"/>
                 <a:ea typeface="Cambria" panose="02040503050406030204" pitchFamily="18" charset="0"/>
               </a:rPr>
-              <a:t>Προσφορες</a:t>
-            </a:r>
-            <a:endParaRPr lang="en-US" dirty="0">
-              <a:solidFill>
-                <a:srgbClr val="FFC000"/>
-              </a:solidFill>
-              <a:latin typeface="Cambria" panose="02040503050406030204" pitchFamily="18" charset="0"/>
-              <a:ea typeface="Cambria" panose="02040503050406030204" pitchFamily="18" charset="0"/>
-            </a:endParaRPr>
-          </a:p>
-        </p:txBody>
-      </p:sp>
-      <p:sp>
-        <p:nvSpPr>
-          <p:cNvPr id="3" name="Θέση περιεχομένου 2">
+              <a:t>Buy</a:t>
+            </a:r>
+          </a:p>
+        </p:txBody>
+      </p:sp>
+      <p:sp>
+        <p:nvSpPr>
+          <p:cNvPr id="11" name="Ορθογώνιο 10">
             <a:extLst>
               <a:ext uri="{FF2B5EF4-FFF2-40B4-BE49-F238E27FC236}">
-                <a16:creationId xmlns:a16="http://schemas.microsoft.com/office/drawing/2014/main" id="{833983CA-48C4-EB68-8A00-2CB48C9CC36C}"/>
+                <a16:creationId xmlns:a16="http://schemas.microsoft.com/office/drawing/2014/main" id="{BA445835-DB12-4DC8-9A73-F486A0FB0146}"/>
               </a:ext>
             </a:extLst>
           </p:cNvPr>
-          <p:cNvSpPr>
-            <a:spLocks noGrp="1"/>
-          </p:cNvSpPr>
-          <p:nvPr>
-            <p:ph idx="1"/>
-          </p:nvPr>
-        </p:nvSpPr>
-        <p:spPr/>
-        <p:txBody>
-          <a:bodyPr/>
-          <a:lstStyle/>
-          <a:p>
-            <a:r>
-              <a:rPr lang="el-GR" dirty="0"/>
-              <a:t>Περιγραφή της διαδικασίας όπου οι χρήστες μπορούν να συμμετέχουν σε μια προσφορά πληρώνοντας μια μικρή χρέωση</a:t>
-            </a:r>
-          </a:p>
-          <a:p>
-            <a:r>
-              <a:rPr lang="el-GR" dirty="0"/>
-              <a:t>Επεξήγηση ότι οι επιχειρήσεις ενημερώνονται για την κατάσταση της προσφοράς και μπορούν να αποδεχθούν ή ακυρώσουν την προσφορά</a:t>
-            </a:r>
-          </a:p>
-          <a:p>
-            <a:r>
-              <a:rPr lang="el-GR" dirty="0"/>
-              <a:t>Περιγραφή των περιορισμών χρόνου και πληρωμής για τους χρήστες και τη διαδικασία αποστολής των προϊόντων από τις επιχειρήσεις</a:t>
-            </a:r>
-            <a:endParaRPr lang="en-US" dirty="0"/>
+          <p:cNvSpPr/>
+          <p:nvPr/>
+        </p:nvSpPr>
+        <p:spPr>
+          <a:xfrm>
+            <a:off x="0" y="6126228"/>
+            <a:ext cx="12192000" cy="731772"/>
+          </a:xfrm>
+          <a:prstGeom prst="rect">
+            <a:avLst/>
+          </a:prstGeom>
+        </p:spPr>
+        <p:style>
+          <a:lnRef idx="2">
+            <a:schemeClr val="dk1">
+              <a:shade val="15000"/>
+            </a:schemeClr>
+          </a:lnRef>
+          <a:fillRef idx="1">
+            <a:schemeClr val="dk1"/>
+          </a:fillRef>
+          <a:effectRef idx="0">
+            <a:schemeClr val="dk1"/>
+          </a:effectRef>
+          <a:fontRef idx="minor">
+            <a:schemeClr val="lt1"/>
+          </a:fontRef>
+        </p:style>
+        <p:txBody>
+          <a:bodyPr rtlCol="0" anchor="ctr"/>
+          <a:lstStyle/>
+          <a:p>
+            <a:pPr algn="ctr"/>
+            <a:endParaRPr lang="en-US"/>
           </a:p>
         </p:txBody>
       </p:sp>
@@ -6621,7 +6814,7 @@
           <p:cNvPr id="4" name="Θέση ημερομηνίας 3">
             <a:extLst>
               <a:ext uri="{FF2B5EF4-FFF2-40B4-BE49-F238E27FC236}">
-                <a16:creationId xmlns:a16="http://schemas.microsoft.com/office/drawing/2014/main" id="{C766A8AC-C500-5AC8-166E-EE7D3165B331}"/>
+                <a16:creationId xmlns:a16="http://schemas.microsoft.com/office/drawing/2014/main" id="{98712324-5234-377E-68AD-C39E25B5576E}"/>
               </a:ext>
             </a:extLst>
           </p:cNvPr>
@@ -6649,7 +6842,7 @@
           <p:cNvPr id="5" name="Θέση υποσέλιδου 4">
             <a:extLst>
               <a:ext uri="{FF2B5EF4-FFF2-40B4-BE49-F238E27FC236}">
-                <a16:creationId xmlns:a16="http://schemas.microsoft.com/office/drawing/2014/main" id="{9887C25C-255D-353F-9DD6-3C5BE43AF064}"/>
+                <a16:creationId xmlns:a16="http://schemas.microsoft.com/office/drawing/2014/main" id="{EBD2EFD8-4CE7-912F-CD16-9BE73E9ADDFC}"/>
               </a:ext>
             </a:extLst>
           </p:cNvPr>
@@ -6678,7 +6871,7 @@
           <p:cNvPr id="6" name="Θέση αριθμού διαφάνειας 5">
             <a:extLst>
               <a:ext uri="{FF2B5EF4-FFF2-40B4-BE49-F238E27FC236}">
-                <a16:creationId xmlns:a16="http://schemas.microsoft.com/office/drawing/2014/main" id="{5EDA823D-160F-A0AF-7923-369EA3ABCE46}"/>
+                <a16:creationId xmlns:a16="http://schemas.microsoft.com/office/drawing/2014/main" id="{05F078A6-6F10-B717-A642-2F4910688CA3}"/>
               </a:ext>
             </a:extLst>
           </p:cNvPr>
@@ -6705,13 +6898,25 @@
     </p:spTree>
     <p:extLst>
       <p:ext uri="{BB962C8B-B14F-4D97-AF65-F5344CB8AC3E}">
-        <p14:creationId xmlns:p14="http://schemas.microsoft.com/office/powerpoint/2010/main" val="2657098326"/>
+        <p14:creationId xmlns:p14="http://schemas.microsoft.com/office/powerpoint/2010/main" val="3284612490"/>
       </p:ext>
     </p:extLst>
   </p:cSld>
   <p:clrMapOvr>
     <a:masterClrMapping/>
   </p:clrMapOvr>
+  <mc:AlternateContent xmlns:mc="http://schemas.openxmlformats.org/markup-compatibility/2006">
+    <mc:Choice xmlns:p159="http://schemas.microsoft.com/office/powerpoint/2015/09/main" Requires="p159">
+      <p:transition xmlns:p14="http://schemas.microsoft.com/office/powerpoint/2010/main" spd="slow" p14:dur="2000">
+        <p159:morph option="byObject"/>
+      </p:transition>
+    </mc:Choice>
+    <mc:Fallback>
+      <p:transition spd="slow">
+        <p:fade/>
+      </p:transition>
+    </mc:Fallback>
+  </mc:AlternateContent>
 </p:sld>
 </file>
 
@@ -6732,6 +6937,1436 @@
           <a:chExt cx="0" cy="0"/>
         </a:xfrm>
       </p:grpSpPr>
+      <p:pic>
+        <p:nvPicPr>
+          <p:cNvPr id="14" name="Εικόνα 13" descr="Εικόνα που περιέχει κείμενο, στιγμιότυπο οθόνης, σχεδίαση&#10;&#10;Περιγραφή που δημιουργήθηκε αυτόματα">
+            <a:extLst>
+              <a:ext uri="{FF2B5EF4-FFF2-40B4-BE49-F238E27FC236}">
+                <a16:creationId xmlns:a16="http://schemas.microsoft.com/office/drawing/2014/main" id="{078CA7D5-AD20-EEE4-DD7C-67646BF0B542}"/>
+              </a:ext>
+            </a:extLst>
+          </p:cNvPr>
+          <p:cNvPicPr>
+            <a:picLocks noChangeAspect="1"/>
+          </p:cNvPicPr>
+          <p:nvPr/>
+        </p:nvPicPr>
+        <p:blipFill rotWithShape="1">
+          <a:blip r:embed="rId2">
+            <a:extLst>
+              <a:ext uri="{28A0092B-C50C-407E-A947-70E740481C1C}">
+                <a14:useLocalDpi xmlns:a14="http://schemas.microsoft.com/office/drawing/2010/main" val="0"/>
+              </a:ext>
+            </a:extLst>
+          </a:blip>
+          <a:srcRect l="-63246" r="-27999"/>
+          <a:stretch/>
+        </p:blipFill>
+        <p:spPr>
+          <a:xfrm>
+            <a:off x="8066891" y="2348384"/>
+            <a:ext cx="2767014" cy="2951272"/>
+          </a:xfrm>
+          <a:prstGeom prst="rect">
+            <a:avLst/>
+          </a:prstGeom>
+        </p:spPr>
+      </p:pic>
+      <p:pic>
+        <p:nvPicPr>
+          <p:cNvPr id="10" name="Εικόνα 9" descr="Εικόνα που περιέχει κινητό τηλέφωνο, γκάτζετ, φορητή συσκευή επικοινωνίας, κινητή συσκευή&#10;&#10;Περιγραφή που δημιουργήθηκε αυτόματα">
+            <a:extLst>
+              <a:ext uri="{FF2B5EF4-FFF2-40B4-BE49-F238E27FC236}">
+                <a16:creationId xmlns:a16="http://schemas.microsoft.com/office/drawing/2014/main" id="{22608F5F-0909-0840-0A2E-56731A34A2D0}"/>
+              </a:ext>
+            </a:extLst>
+          </p:cNvPr>
+          <p:cNvPicPr>
+            <a:picLocks noChangeAspect="1"/>
+          </p:cNvPicPr>
+          <p:nvPr/>
+        </p:nvPicPr>
+        <p:blipFill>
+          <a:blip r:embed="rId3">
+            <a:extLst>
+              <a:ext uri="{28A0092B-C50C-407E-A947-70E740481C1C}">
+                <a14:useLocalDpi xmlns:a14="http://schemas.microsoft.com/office/drawing/2010/main" val="0"/>
+              </a:ext>
+            </a:extLst>
+          </a:blip>
+          <a:stretch>
+            <a:fillRect/>
+          </a:stretch>
+        </p:blipFill>
+        <p:spPr>
+          <a:xfrm>
+            <a:off x="7200900" y="1587841"/>
+            <a:ext cx="4906219" cy="5621196"/>
+          </a:xfrm>
+          <a:prstGeom prst="rect">
+            <a:avLst/>
+          </a:prstGeom>
+        </p:spPr>
+      </p:pic>
+      <p:sp>
+        <p:nvSpPr>
+          <p:cNvPr id="2" name="Τίτλος 1">
+            <a:extLst>
+              <a:ext uri="{FF2B5EF4-FFF2-40B4-BE49-F238E27FC236}">
+                <a16:creationId xmlns:a16="http://schemas.microsoft.com/office/drawing/2014/main" id="{13FD7965-4649-233E-1E9E-5110A159E0F5}"/>
+              </a:ext>
+            </a:extLst>
+          </p:cNvPr>
+          <p:cNvSpPr>
+            <a:spLocks noGrp="1"/>
+          </p:cNvSpPr>
+          <p:nvPr>
+            <p:ph type="title"/>
+          </p:nvPr>
+        </p:nvSpPr>
+        <p:spPr/>
+        <p:txBody>
+          <a:bodyPr/>
+          <a:lstStyle/>
+          <a:p>
+            <a:r>
+              <a:rPr lang="el-GR">
+                <a:solidFill>
+                  <a:srgbClr val="FFC000"/>
+                </a:solidFill>
+                <a:latin typeface="Cambria" panose="02040503050406030204" pitchFamily="18" charset="0"/>
+                <a:ea typeface="Cambria" panose="02040503050406030204" pitchFamily="18" charset="0"/>
+              </a:rPr>
+              <a:t>Διεπαφη Ιστου &amp; </a:t>
+            </a:r>
+            <a:br>
+              <a:rPr lang="el-GR">
+                <a:solidFill>
+                  <a:srgbClr val="FFC000"/>
+                </a:solidFill>
+                <a:latin typeface="Cambria" panose="02040503050406030204" pitchFamily="18" charset="0"/>
+                <a:ea typeface="Cambria" panose="02040503050406030204" pitchFamily="18" charset="0"/>
+              </a:rPr>
+            </a:br>
+            <a:r>
+              <a:rPr lang="el-GR">
+                <a:solidFill>
+                  <a:srgbClr val="FFC000"/>
+                </a:solidFill>
+                <a:latin typeface="Cambria" panose="02040503050406030204" pitchFamily="18" charset="0"/>
+                <a:ea typeface="Cambria" panose="02040503050406030204" pitchFamily="18" charset="0"/>
+              </a:rPr>
+              <a:t>Κινητης Συσκευης</a:t>
+            </a:r>
+            <a:endParaRPr lang="en-US" dirty="0">
+              <a:solidFill>
+                <a:srgbClr val="FFC000"/>
+              </a:solidFill>
+              <a:latin typeface="Cambria" panose="02040503050406030204" pitchFamily="18" charset="0"/>
+              <a:ea typeface="Cambria" panose="02040503050406030204" pitchFamily="18" charset="0"/>
+            </a:endParaRPr>
+          </a:p>
+        </p:txBody>
+      </p:sp>
+      <p:pic>
+        <p:nvPicPr>
+          <p:cNvPr id="18" name="Εικόνα 17" descr="Εικόνα που περιέχει κείμενο, στιγμιότυπο οθόνης, λογισμικό πολυμέσων, λογισμικό&#10;&#10;Περιγραφή που δημιουργήθηκε αυτόματα">
+            <a:extLst>
+              <a:ext uri="{FF2B5EF4-FFF2-40B4-BE49-F238E27FC236}">
+                <a16:creationId xmlns:a16="http://schemas.microsoft.com/office/drawing/2014/main" id="{2C69DD62-C2F6-565C-784F-E24B007BAB0F}"/>
+              </a:ext>
+            </a:extLst>
+          </p:cNvPr>
+          <p:cNvPicPr>
+            <a:picLocks noChangeAspect="1"/>
+          </p:cNvPicPr>
+          <p:nvPr/>
+        </p:nvPicPr>
+        <p:blipFill>
+          <a:blip r:embed="rId4">
+            <a:extLst>
+              <a:ext uri="{28A0092B-C50C-407E-A947-70E740481C1C}">
+                <a14:useLocalDpi xmlns:a14="http://schemas.microsoft.com/office/drawing/2010/main" val="0"/>
+              </a:ext>
+            </a:extLst>
+          </a:blip>
+          <a:stretch>
+            <a:fillRect/>
+          </a:stretch>
+        </p:blipFill>
+        <p:spPr>
+          <a:xfrm>
+            <a:off x="685799" y="2251587"/>
+            <a:ext cx="5538020" cy="3441290"/>
+          </a:xfrm>
+          <a:prstGeom prst="rect">
+            <a:avLst/>
+          </a:prstGeom>
+        </p:spPr>
+      </p:pic>
+      <p:sp>
+        <p:nvSpPr>
+          <p:cNvPr id="4" name="Θέση ημερομηνίας 3">
+            <a:extLst>
+              <a:ext uri="{FF2B5EF4-FFF2-40B4-BE49-F238E27FC236}">
+                <a16:creationId xmlns:a16="http://schemas.microsoft.com/office/drawing/2014/main" id="{D63ECB70-7FAE-9741-0C24-695B598C38CE}"/>
+              </a:ext>
+            </a:extLst>
+          </p:cNvPr>
+          <p:cNvSpPr>
+            <a:spLocks noGrp="1"/>
+          </p:cNvSpPr>
+          <p:nvPr>
+            <p:ph type="dt" sz="half" idx="10"/>
+          </p:nvPr>
+        </p:nvSpPr>
+        <p:spPr/>
+        <p:txBody>
+          <a:bodyPr/>
+          <a:lstStyle/>
+          <a:p>
+            <a:r>
+              <a:rPr lang="en-US"/>
+              <a:t>28/06/2023</a:t>
+            </a:r>
+          </a:p>
+        </p:txBody>
+      </p:sp>
+      <p:pic>
+        <p:nvPicPr>
+          <p:cNvPr id="20" name="Εικόνα 19" descr="Εικόνα που περιέχει ηλεκτρονικές συσκευές, κείμενο, συσκευή εξόδου, οθόνη&#10;&#10;Περιγραφή που δημιουργήθηκε αυτόματα">
+            <a:extLst>
+              <a:ext uri="{FF2B5EF4-FFF2-40B4-BE49-F238E27FC236}">
+                <a16:creationId xmlns:a16="http://schemas.microsoft.com/office/drawing/2014/main" id="{685D1C80-E843-4CD1-E828-6A6FAE68A509}"/>
+              </a:ext>
+            </a:extLst>
+          </p:cNvPr>
+          <p:cNvPicPr>
+            <a:picLocks noChangeAspect="1"/>
+          </p:cNvPicPr>
+          <p:nvPr/>
+        </p:nvPicPr>
+        <p:blipFill>
+          <a:blip r:embed="rId5">
+            <a:extLst>
+              <a:ext uri="{28A0092B-C50C-407E-A947-70E740481C1C}">
+                <a14:useLocalDpi xmlns:a14="http://schemas.microsoft.com/office/drawing/2010/main" val="0"/>
+              </a:ext>
+            </a:extLst>
+          </a:blip>
+          <a:stretch>
+            <a:fillRect/>
+          </a:stretch>
+        </p:blipFill>
+        <p:spPr>
+          <a:xfrm>
+            <a:off x="487825" y="2057401"/>
+            <a:ext cx="5905153" cy="4618556"/>
+          </a:xfrm>
+          <a:prstGeom prst="rect">
+            <a:avLst/>
+          </a:prstGeom>
+        </p:spPr>
+      </p:pic>
+      <p:sp>
+        <p:nvSpPr>
+          <p:cNvPr id="5" name="Θέση υποσέλιδου 4">
+            <a:extLst>
+              <a:ext uri="{FF2B5EF4-FFF2-40B4-BE49-F238E27FC236}">
+                <a16:creationId xmlns:a16="http://schemas.microsoft.com/office/drawing/2014/main" id="{7D124D12-4A57-63A1-FB18-19E7A51455A9}"/>
+              </a:ext>
+            </a:extLst>
+          </p:cNvPr>
+          <p:cNvSpPr>
+            <a:spLocks noGrp="1"/>
+          </p:cNvSpPr>
+          <p:nvPr>
+            <p:ph type="ftr" sz="quarter" idx="11"/>
+          </p:nvPr>
+        </p:nvSpPr>
+        <p:spPr/>
+        <p:txBody>
+          <a:bodyPr/>
+          <a:lstStyle/>
+          <a:p>
+            <a:r>
+              <a:rPr lang="el-GR"/>
+              <a:t>Υπλγος(ΠΒ) Σωτηρίου Δημήτριος, Υπλγος(ΠΒ) Καραγιάννης Α. Αλέξανδρος. ΣΠΗΥ 141η Ε.Σ.</a:t>
+            </a:r>
+            <a:endParaRPr lang="en-US"/>
+          </a:p>
+        </p:txBody>
+      </p:sp>
+      <p:sp>
+        <p:nvSpPr>
+          <p:cNvPr id="6" name="Θέση αριθμού διαφάνειας 5">
+            <a:extLst>
+              <a:ext uri="{FF2B5EF4-FFF2-40B4-BE49-F238E27FC236}">
+                <a16:creationId xmlns:a16="http://schemas.microsoft.com/office/drawing/2014/main" id="{B93C094F-3862-7F86-D42A-FC31B3E9179C}"/>
+              </a:ext>
+            </a:extLst>
+          </p:cNvPr>
+          <p:cNvSpPr>
+            <a:spLocks noGrp="1"/>
+          </p:cNvSpPr>
+          <p:nvPr>
+            <p:ph type="sldNum" sz="quarter" idx="12"/>
+          </p:nvPr>
+        </p:nvSpPr>
+        <p:spPr/>
+        <p:txBody>
+          <a:bodyPr/>
+          <a:lstStyle/>
+          <a:p>
+            <a:fld id="{BFAB7414-13AA-49EE-BACF-30B1D07F9A2F}" type="slidenum">
+              <a:rPr lang="en-US" smtClean="0"/>
+              <a:t>11</a:t>
+            </a:fld>
+            <a:endParaRPr lang="en-US"/>
+          </a:p>
+        </p:txBody>
+      </p:sp>
+    </p:spTree>
+    <p:extLst>
+      <p:ext uri="{BB962C8B-B14F-4D97-AF65-F5344CB8AC3E}">
+        <p14:creationId xmlns:p14="http://schemas.microsoft.com/office/powerpoint/2010/main" val="714826965"/>
+      </p:ext>
+    </p:extLst>
+  </p:cSld>
+  <p:clrMapOvr>
+    <a:masterClrMapping/>
+  </p:clrMapOvr>
+  <mc:AlternateContent xmlns:mc="http://schemas.openxmlformats.org/markup-compatibility/2006">
+    <mc:Choice xmlns:p14="http://schemas.microsoft.com/office/powerpoint/2010/main" Requires="p14">
+      <p:transition spd="med" p14:dur="700">
+        <p:fade/>
+      </p:transition>
+    </mc:Choice>
+    <mc:Fallback>
+      <p:transition spd="med">
+        <p:fade/>
+      </p:transition>
+    </mc:Fallback>
+  </mc:AlternateContent>
+  <p:timing>
+    <p:tnLst>
+      <p:par>
+        <p:cTn id="1" dur="indefinite" restart="never" nodeType="tmRoot">
+          <p:childTnLst>
+            <p:seq concurrent="1" nextAc="seek">
+              <p:cTn id="2" dur="indefinite" nodeType="mainSeq">
+                <p:childTnLst>
+                  <p:par>
+                    <p:cTn id="3" fill="hold">
+                      <p:stCondLst>
+                        <p:cond delay="indefinite"/>
+                        <p:cond evt="onBegin" delay="0">
+                          <p:tn val="2"/>
+                        </p:cond>
+                      </p:stCondLst>
+                      <p:childTnLst>
+                        <p:par>
+                          <p:cTn id="4" fill="hold">
+                            <p:stCondLst>
+                              <p:cond delay="0"/>
+                            </p:stCondLst>
+                            <p:childTnLst>
+                              <p:par>
+                                <p:cTn id="5" presetID="42" presetClass="entr" presetSubtype="0" fill="hold" nodeType="withEffect">
+                                  <p:stCondLst>
+                                    <p:cond delay="0"/>
+                                  </p:stCondLst>
+                                  <p:childTnLst>
+                                    <p:set>
+                                      <p:cBhvr>
+                                        <p:cTn id="6" dur="1" fill="hold">
+                                          <p:stCondLst>
+                                            <p:cond delay="0"/>
+                                          </p:stCondLst>
+                                        </p:cTn>
+                                        <p:tgtEl>
+                                          <p:spTgt spid="18"/>
+                                        </p:tgtEl>
+                                        <p:attrNameLst>
+                                          <p:attrName>style.visibility</p:attrName>
+                                        </p:attrNameLst>
+                                      </p:cBhvr>
+                                      <p:to>
+                                        <p:strVal val="visible"/>
+                                      </p:to>
+                                    </p:set>
+                                    <p:animEffect transition="in" filter="fade">
+                                      <p:cBhvr>
+                                        <p:cTn id="7" dur="1000"/>
+                                        <p:tgtEl>
+                                          <p:spTgt spid="18"/>
+                                        </p:tgtEl>
+                                      </p:cBhvr>
+                                    </p:animEffect>
+                                    <p:anim calcmode="lin" valueType="num">
+                                      <p:cBhvr>
+                                        <p:cTn id="8" dur="1000" fill="hold"/>
+                                        <p:tgtEl>
+                                          <p:spTgt spid="18"/>
+                                        </p:tgtEl>
+                                        <p:attrNameLst>
+                                          <p:attrName>ppt_x</p:attrName>
+                                        </p:attrNameLst>
+                                      </p:cBhvr>
+                                      <p:tavLst>
+                                        <p:tav tm="0">
+                                          <p:val>
+                                            <p:strVal val="#ppt_x"/>
+                                          </p:val>
+                                        </p:tav>
+                                        <p:tav tm="100000">
+                                          <p:val>
+                                            <p:strVal val="#ppt_x"/>
+                                          </p:val>
+                                        </p:tav>
+                                      </p:tavLst>
+                                    </p:anim>
+                                    <p:anim calcmode="lin" valueType="num">
+                                      <p:cBhvr>
+                                        <p:cTn id="9" dur="1000" fill="hold"/>
+                                        <p:tgtEl>
+                                          <p:spTgt spid="18"/>
+                                        </p:tgtEl>
+                                        <p:attrNameLst>
+                                          <p:attrName>ppt_y</p:attrName>
+                                        </p:attrNameLst>
+                                      </p:cBhvr>
+                                      <p:tavLst>
+                                        <p:tav tm="0">
+                                          <p:val>
+                                            <p:strVal val="#ppt_y+.1"/>
+                                          </p:val>
+                                        </p:tav>
+                                        <p:tav tm="100000">
+                                          <p:val>
+                                            <p:strVal val="#ppt_y"/>
+                                          </p:val>
+                                        </p:tav>
+                                      </p:tavLst>
+                                    </p:anim>
+                                  </p:childTnLst>
+                                </p:cTn>
+                              </p:par>
+                              <p:par>
+                                <p:cTn id="10" presetID="42" presetClass="entr" presetSubtype="0" fill="hold" nodeType="withEffect">
+                                  <p:stCondLst>
+                                    <p:cond delay="0"/>
+                                  </p:stCondLst>
+                                  <p:childTnLst>
+                                    <p:set>
+                                      <p:cBhvr>
+                                        <p:cTn id="11" dur="1" fill="hold">
+                                          <p:stCondLst>
+                                            <p:cond delay="0"/>
+                                          </p:stCondLst>
+                                        </p:cTn>
+                                        <p:tgtEl>
+                                          <p:spTgt spid="20"/>
+                                        </p:tgtEl>
+                                        <p:attrNameLst>
+                                          <p:attrName>style.visibility</p:attrName>
+                                        </p:attrNameLst>
+                                      </p:cBhvr>
+                                      <p:to>
+                                        <p:strVal val="visible"/>
+                                      </p:to>
+                                    </p:set>
+                                    <p:animEffect transition="in" filter="fade">
+                                      <p:cBhvr>
+                                        <p:cTn id="12" dur="1000"/>
+                                        <p:tgtEl>
+                                          <p:spTgt spid="20"/>
+                                        </p:tgtEl>
+                                      </p:cBhvr>
+                                    </p:animEffect>
+                                    <p:anim calcmode="lin" valueType="num">
+                                      <p:cBhvr>
+                                        <p:cTn id="13" dur="1000" fill="hold"/>
+                                        <p:tgtEl>
+                                          <p:spTgt spid="20"/>
+                                        </p:tgtEl>
+                                        <p:attrNameLst>
+                                          <p:attrName>ppt_x</p:attrName>
+                                        </p:attrNameLst>
+                                      </p:cBhvr>
+                                      <p:tavLst>
+                                        <p:tav tm="0">
+                                          <p:val>
+                                            <p:strVal val="#ppt_x"/>
+                                          </p:val>
+                                        </p:tav>
+                                        <p:tav tm="100000">
+                                          <p:val>
+                                            <p:strVal val="#ppt_x"/>
+                                          </p:val>
+                                        </p:tav>
+                                      </p:tavLst>
+                                    </p:anim>
+                                    <p:anim calcmode="lin" valueType="num">
+                                      <p:cBhvr>
+                                        <p:cTn id="14" dur="1000" fill="hold"/>
+                                        <p:tgtEl>
+                                          <p:spTgt spid="20"/>
+                                        </p:tgtEl>
+                                        <p:attrNameLst>
+                                          <p:attrName>ppt_y</p:attrName>
+                                        </p:attrNameLst>
+                                      </p:cBhvr>
+                                      <p:tavLst>
+                                        <p:tav tm="0">
+                                          <p:val>
+                                            <p:strVal val="#ppt_y+.1"/>
+                                          </p:val>
+                                        </p:tav>
+                                        <p:tav tm="100000">
+                                          <p:val>
+                                            <p:strVal val="#ppt_y"/>
+                                          </p:val>
+                                        </p:tav>
+                                      </p:tavLst>
+                                    </p:anim>
+                                  </p:childTnLst>
+                                </p:cTn>
+                              </p:par>
+                            </p:childTnLst>
+                          </p:cTn>
+                        </p:par>
+                      </p:childTnLst>
+                    </p:cTn>
+                  </p:par>
+                  <p:par>
+                    <p:cTn id="15" fill="hold">
+                      <p:stCondLst>
+                        <p:cond delay="indefinite"/>
+                      </p:stCondLst>
+                      <p:childTnLst>
+                        <p:par>
+                          <p:cTn id="16" fill="hold">
+                            <p:stCondLst>
+                              <p:cond delay="0"/>
+                            </p:stCondLst>
+                            <p:childTnLst>
+                              <p:par>
+                                <p:cTn id="17" presetID="42" presetClass="entr" presetSubtype="0" fill="hold" nodeType="clickEffect">
+                                  <p:stCondLst>
+                                    <p:cond delay="1000"/>
+                                  </p:stCondLst>
+                                  <p:childTnLst>
+                                    <p:set>
+                                      <p:cBhvr>
+                                        <p:cTn id="18" dur="1" fill="hold">
+                                          <p:stCondLst>
+                                            <p:cond delay="0"/>
+                                          </p:stCondLst>
+                                        </p:cTn>
+                                        <p:tgtEl>
+                                          <p:spTgt spid="14"/>
+                                        </p:tgtEl>
+                                        <p:attrNameLst>
+                                          <p:attrName>style.visibility</p:attrName>
+                                        </p:attrNameLst>
+                                      </p:cBhvr>
+                                      <p:to>
+                                        <p:strVal val="visible"/>
+                                      </p:to>
+                                    </p:set>
+                                    <p:animEffect transition="in" filter="fade">
+                                      <p:cBhvr>
+                                        <p:cTn id="19" dur="1000"/>
+                                        <p:tgtEl>
+                                          <p:spTgt spid="14"/>
+                                        </p:tgtEl>
+                                      </p:cBhvr>
+                                    </p:animEffect>
+                                    <p:anim calcmode="lin" valueType="num">
+                                      <p:cBhvr>
+                                        <p:cTn id="20" dur="1000" fill="hold"/>
+                                        <p:tgtEl>
+                                          <p:spTgt spid="14"/>
+                                        </p:tgtEl>
+                                        <p:attrNameLst>
+                                          <p:attrName>ppt_x</p:attrName>
+                                        </p:attrNameLst>
+                                      </p:cBhvr>
+                                      <p:tavLst>
+                                        <p:tav tm="0">
+                                          <p:val>
+                                            <p:strVal val="#ppt_x"/>
+                                          </p:val>
+                                        </p:tav>
+                                        <p:tav tm="100000">
+                                          <p:val>
+                                            <p:strVal val="#ppt_x"/>
+                                          </p:val>
+                                        </p:tav>
+                                      </p:tavLst>
+                                    </p:anim>
+                                    <p:anim calcmode="lin" valueType="num">
+                                      <p:cBhvr>
+                                        <p:cTn id="21" dur="1000" fill="hold"/>
+                                        <p:tgtEl>
+                                          <p:spTgt spid="14"/>
+                                        </p:tgtEl>
+                                        <p:attrNameLst>
+                                          <p:attrName>ppt_y</p:attrName>
+                                        </p:attrNameLst>
+                                      </p:cBhvr>
+                                      <p:tavLst>
+                                        <p:tav tm="0">
+                                          <p:val>
+                                            <p:strVal val="#ppt_y+.1"/>
+                                          </p:val>
+                                        </p:tav>
+                                        <p:tav tm="100000">
+                                          <p:val>
+                                            <p:strVal val="#ppt_y"/>
+                                          </p:val>
+                                        </p:tav>
+                                      </p:tavLst>
+                                    </p:anim>
+                                  </p:childTnLst>
+                                </p:cTn>
+                              </p:par>
+                              <p:par>
+                                <p:cTn id="22" presetID="42" presetClass="entr" presetSubtype="0" fill="hold" nodeType="withEffect">
+                                  <p:stCondLst>
+                                    <p:cond delay="1000"/>
+                                  </p:stCondLst>
+                                  <p:childTnLst>
+                                    <p:set>
+                                      <p:cBhvr>
+                                        <p:cTn id="23" dur="1" fill="hold">
+                                          <p:stCondLst>
+                                            <p:cond delay="0"/>
+                                          </p:stCondLst>
+                                        </p:cTn>
+                                        <p:tgtEl>
+                                          <p:spTgt spid="10"/>
+                                        </p:tgtEl>
+                                        <p:attrNameLst>
+                                          <p:attrName>style.visibility</p:attrName>
+                                        </p:attrNameLst>
+                                      </p:cBhvr>
+                                      <p:to>
+                                        <p:strVal val="visible"/>
+                                      </p:to>
+                                    </p:set>
+                                    <p:animEffect transition="in" filter="fade">
+                                      <p:cBhvr>
+                                        <p:cTn id="24" dur="1000"/>
+                                        <p:tgtEl>
+                                          <p:spTgt spid="10"/>
+                                        </p:tgtEl>
+                                      </p:cBhvr>
+                                    </p:animEffect>
+                                    <p:anim calcmode="lin" valueType="num">
+                                      <p:cBhvr>
+                                        <p:cTn id="25" dur="1000" fill="hold"/>
+                                        <p:tgtEl>
+                                          <p:spTgt spid="10"/>
+                                        </p:tgtEl>
+                                        <p:attrNameLst>
+                                          <p:attrName>ppt_x</p:attrName>
+                                        </p:attrNameLst>
+                                      </p:cBhvr>
+                                      <p:tavLst>
+                                        <p:tav tm="0">
+                                          <p:val>
+                                            <p:strVal val="#ppt_x"/>
+                                          </p:val>
+                                        </p:tav>
+                                        <p:tav tm="100000">
+                                          <p:val>
+                                            <p:strVal val="#ppt_x"/>
+                                          </p:val>
+                                        </p:tav>
+                                      </p:tavLst>
+                                    </p:anim>
+                                    <p:anim calcmode="lin" valueType="num">
+                                      <p:cBhvr>
+                                        <p:cTn id="26" dur="1000" fill="hold"/>
+                                        <p:tgtEl>
+                                          <p:spTgt spid="10"/>
+                                        </p:tgtEl>
+                                        <p:attrNameLst>
+                                          <p:attrName>ppt_y</p:attrName>
+                                        </p:attrNameLst>
+                                      </p:cBhvr>
+                                      <p:tavLst>
+                                        <p:tav tm="0">
+                                          <p:val>
+                                            <p:strVal val="#ppt_y+.1"/>
+                                          </p:val>
+                                        </p:tav>
+                                        <p:tav tm="100000">
+                                          <p:val>
+                                            <p:strVal val="#ppt_y"/>
+                                          </p:val>
+                                        </p:tav>
+                                      </p:tavLst>
+                                    </p:anim>
+                                  </p:childTnLst>
+                                </p:cTn>
+                              </p:par>
+                            </p:childTnLst>
+                          </p:cTn>
+                        </p:par>
+                      </p:childTnLst>
+                    </p:cTn>
+                  </p:par>
+                </p:childTnLst>
+              </p:cTn>
+              <p:prevCondLst>
+                <p:cond evt="onPrev" delay="0">
+                  <p:tgtEl>
+                    <p:sldTgt/>
+                  </p:tgtEl>
+                </p:cond>
+              </p:prevCondLst>
+              <p:nextCondLst>
+                <p:cond evt="onNext" delay="0">
+                  <p:tgtEl>
+                    <p:sldTgt/>
+                  </p:tgtEl>
+                </p:cond>
+              </p:nextCondLst>
+            </p:seq>
+          </p:childTnLst>
+        </p:cTn>
+      </p:par>
+    </p:tnLst>
+  </p:timing>
+</p:sld>
+</file>
+
+<file path=ppt/slides/slide12.xml><?xml version="1.0" encoding="utf-8"?>
+<p:sld xmlns:a="http://schemas.openxmlformats.org/drawingml/2006/main" xmlns:r="http://schemas.openxmlformats.org/officeDocument/2006/relationships" xmlns:p="http://schemas.openxmlformats.org/presentationml/2006/main">
+  <p:cSld>
+    <p:spTree>
+      <p:nvGrpSpPr>
+        <p:cNvPr id="1" name=""/>
+        <p:cNvGrpSpPr/>
+        <p:nvPr/>
+      </p:nvGrpSpPr>
+      <p:grpSpPr>
+        <a:xfrm>
+          <a:off x="0" y="0"/>
+          <a:ext cx="0" cy="0"/>
+          <a:chOff x="0" y="0"/>
+          <a:chExt cx="0" cy="0"/>
+        </a:xfrm>
+      </p:grpSpPr>
+      <p:sp>
+        <p:nvSpPr>
+          <p:cNvPr id="2" name="Τίτλος 1">
+            <a:extLst>
+              <a:ext uri="{FF2B5EF4-FFF2-40B4-BE49-F238E27FC236}">
+                <a16:creationId xmlns:a16="http://schemas.microsoft.com/office/drawing/2014/main" id="{2471EC2E-A688-34E1-0286-5739DA932276}"/>
+              </a:ext>
+            </a:extLst>
+          </p:cNvPr>
+          <p:cNvSpPr>
+            <a:spLocks noGrp="1"/>
+          </p:cNvSpPr>
+          <p:nvPr>
+            <p:ph type="title"/>
+          </p:nvPr>
+        </p:nvSpPr>
+        <p:spPr/>
+        <p:txBody>
+          <a:bodyPr/>
+          <a:lstStyle/>
+          <a:p>
+            <a:r>
+              <a:rPr lang="el-GR" dirty="0" err="1">
+                <a:solidFill>
+                  <a:srgbClr val="FFC000"/>
+                </a:solidFill>
+                <a:latin typeface="Cambria" panose="02040503050406030204" pitchFamily="18" charset="0"/>
+                <a:ea typeface="Cambria" panose="02040503050406030204" pitchFamily="18" charset="0"/>
+              </a:rPr>
+              <a:t>Ειδοποιησεις</a:t>
+            </a:r>
+            <a:r>
+              <a:rPr lang="el-GR" dirty="0">
+                <a:solidFill>
+                  <a:srgbClr val="FFC000"/>
+                </a:solidFill>
+                <a:latin typeface="Cambria" panose="02040503050406030204" pitchFamily="18" charset="0"/>
+                <a:ea typeface="Cambria" panose="02040503050406030204" pitchFamily="18" charset="0"/>
+              </a:rPr>
+              <a:t> &amp;</a:t>
+            </a:r>
+            <a:br>
+              <a:rPr lang="el-GR" dirty="0">
+                <a:solidFill>
+                  <a:srgbClr val="FFC000"/>
+                </a:solidFill>
+                <a:latin typeface="Cambria" panose="02040503050406030204" pitchFamily="18" charset="0"/>
+                <a:ea typeface="Cambria" panose="02040503050406030204" pitchFamily="18" charset="0"/>
+              </a:rPr>
+            </a:br>
+            <a:r>
+              <a:rPr lang="el-GR" dirty="0" err="1">
+                <a:solidFill>
+                  <a:srgbClr val="FFC000"/>
+                </a:solidFill>
+                <a:latin typeface="Cambria" panose="02040503050406030204" pitchFamily="18" charset="0"/>
+                <a:ea typeface="Cambria" panose="02040503050406030204" pitchFamily="18" charset="0"/>
+              </a:rPr>
+              <a:t>Λιστα</a:t>
+            </a:r>
+            <a:r>
+              <a:rPr lang="el-GR" dirty="0">
+                <a:solidFill>
+                  <a:srgbClr val="FFC000"/>
+                </a:solidFill>
+                <a:latin typeface="Cambria" panose="02040503050406030204" pitchFamily="18" charset="0"/>
+                <a:ea typeface="Cambria" panose="02040503050406030204" pitchFamily="18" charset="0"/>
+              </a:rPr>
+              <a:t> Επιθυμητών</a:t>
+            </a:r>
+            <a:endParaRPr lang="en-US" dirty="0">
+              <a:solidFill>
+                <a:srgbClr val="FFC000"/>
+              </a:solidFill>
+              <a:latin typeface="Cambria" panose="02040503050406030204" pitchFamily="18" charset="0"/>
+              <a:ea typeface="Cambria" panose="02040503050406030204" pitchFamily="18" charset="0"/>
+            </a:endParaRPr>
+          </a:p>
+        </p:txBody>
+      </p:sp>
+      <p:sp>
+        <p:nvSpPr>
+          <p:cNvPr id="3" name="Θέση περιεχομένου 2">
+            <a:extLst>
+              <a:ext uri="{FF2B5EF4-FFF2-40B4-BE49-F238E27FC236}">
+                <a16:creationId xmlns:a16="http://schemas.microsoft.com/office/drawing/2014/main" id="{37840A1C-E01C-5B91-C5AF-A96F16B13801}"/>
+              </a:ext>
+            </a:extLst>
+          </p:cNvPr>
+          <p:cNvSpPr>
+            <a:spLocks noGrp="1"/>
+          </p:cNvSpPr>
+          <p:nvPr>
+            <p:ph idx="1"/>
+          </p:nvPr>
+        </p:nvSpPr>
+        <p:spPr/>
+        <p:txBody>
+          <a:bodyPr/>
+          <a:lstStyle/>
+          <a:p>
+            <a:r>
+              <a:rPr lang="el-GR" dirty="0"/>
+              <a:t>Περιγραφή της λειτουργίας της λίστας επιθυμητών και των ειδοποιήσεων για προσφορές σχετικά με τα επιθυμητά προϊόντα του χρήστη</a:t>
+            </a:r>
+          </a:p>
+          <a:p>
+            <a:r>
+              <a:rPr lang="el-GR" dirty="0"/>
+              <a:t>Αναφορά στη δημιουργία ειδοποιήσεων για κάθε ενέργεια στην εφαρμογή, όπως δημιουργία προσφοράς, και στην εμφάνιση ειδοποιήσεων μόνο για σχετικές προσφορές</a:t>
+            </a:r>
+            <a:endParaRPr lang="en-US" dirty="0"/>
+          </a:p>
+        </p:txBody>
+      </p:sp>
+      <p:sp>
+        <p:nvSpPr>
+          <p:cNvPr id="4" name="Θέση ημερομηνίας 3">
+            <a:extLst>
+              <a:ext uri="{FF2B5EF4-FFF2-40B4-BE49-F238E27FC236}">
+                <a16:creationId xmlns:a16="http://schemas.microsoft.com/office/drawing/2014/main" id="{9348DAEB-1DB1-A7CA-0CF7-A8E9E15580C5}"/>
+              </a:ext>
+            </a:extLst>
+          </p:cNvPr>
+          <p:cNvSpPr>
+            <a:spLocks noGrp="1"/>
+          </p:cNvSpPr>
+          <p:nvPr>
+            <p:ph type="dt" sz="half" idx="10"/>
+          </p:nvPr>
+        </p:nvSpPr>
+        <p:spPr/>
+        <p:txBody>
+          <a:bodyPr/>
+          <a:lstStyle/>
+          <a:p>
+            <a:r>
+              <a:rPr lang="en-US"/>
+              <a:t>28/06/2023</a:t>
+            </a:r>
+          </a:p>
+        </p:txBody>
+      </p:sp>
+      <p:sp>
+        <p:nvSpPr>
+          <p:cNvPr id="5" name="Θέση υποσέλιδου 4">
+            <a:extLst>
+              <a:ext uri="{FF2B5EF4-FFF2-40B4-BE49-F238E27FC236}">
+                <a16:creationId xmlns:a16="http://schemas.microsoft.com/office/drawing/2014/main" id="{326DDA49-9900-E96B-6FF4-5A1095101CC1}"/>
+              </a:ext>
+            </a:extLst>
+          </p:cNvPr>
+          <p:cNvSpPr>
+            <a:spLocks noGrp="1"/>
+          </p:cNvSpPr>
+          <p:nvPr>
+            <p:ph type="ftr" sz="quarter" idx="11"/>
+          </p:nvPr>
+        </p:nvSpPr>
+        <p:spPr/>
+        <p:txBody>
+          <a:bodyPr/>
+          <a:lstStyle/>
+          <a:p>
+            <a:r>
+              <a:rPr lang="el-GR"/>
+              <a:t>Υπλγος(ΠΒ) Σωτηρίου Δημήτριος, Υπλγος(ΠΒ) Καραγιάννης Α. Αλέξανδρος. ΣΠΗΥ 141η Ε.Σ.</a:t>
+            </a:r>
+            <a:endParaRPr lang="en-US"/>
+          </a:p>
+        </p:txBody>
+      </p:sp>
+      <p:sp>
+        <p:nvSpPr>
+          <p:cNvPr id="6" name="Θέση αριθμού διαφάνειας 5">
+            <a:extLst>
+              <a:ext uri="{FF2B5EF4-FFF2-40B4-BE49-F238E27FC236}">
+                <a16:creationId xmlns:a16="http://schemas.microsoft.com/office/drawing/2014/main" id="{6D25A1F1-4A78-5F44-FDCE-A16E208ECE37}"/>
+              </a:ext>
+            </a:extLst>
+          </p:cNvPr>
+          <p:cNvSpPr>
+            <a:spLocks noGrp="1"/>
+          </p:cNvSpPr>
+          <p:nvPr>
+            <p:ph type="sldNum" sz="quarter" idx="12"/>
+          </p:nvPr>
+        </p:nvSpPr>
+        <p:spPr/>
+        <p:txBody>
+          <a:bodyPr/>
+          <a:lstStyle/>
+          <a:p>
+            <a:fld id="{BFAB7414-13AA-49EE-BACF-30B1D07F9A2F}" type="slidenum">
+              <a:rPr lang="en-US" smtClean="0"/>
+              <a:t>12</a:t>
+            </a:fld>
+            <a:endParaRPr lang="en-US"/>
+          </a:p>
+        </p:txBody>
+      </p:sp>
+    </p:spTree>
+    <p:extLst>
+      <p:ext uri="{BB962C8B-B14F-4D97-AF65-F5344CB8AC3E}">
+        <p14:creationId xmlns:p14="http://schemas.microsoft.com/office/powerpoint/2010/main" val="4221345638"/>
+      </p:ext>
+    </p:extLst>
+  </p:cSld>
+  <p:clrMapOvr>
+    <a:masterClrMapping/>
+  </p:clrMapOvr>
+</p:sld>
+</file>
+
+<file path=ppt/slides/slide13.xml><?xml version="1.0" encoding="utf-8"?>
+<p:sld xmlns:a="http://schemas.openxmlformats.org/drawingml/2006/main" xmlns:r="http://schemas.openxmlformats.org/officeDocument/2006/relationships" xmlns:p="http://schemas.openxmlformats.org/presentationml/2006/main">
+  <p:cSld>
+    <p:spTree>
+      <p:nvGrpSpPr>
+        <p:cNvPr id="1" name=""/>
+        <p:cNvGrpSpPr/>
+        <p:nvPr/>
+      </p:nvGrpSpPr>
+      <p:grpSpPr>
+        <a:xfrm>
+          <a:off x="0" y="0"/>
+          <a:ext cx="0" cy="0"/>
+          <a:chOff x="0" y="0"/>
+          <a:chExt cx="0" cy="0"/>
+        </a:xfrm>
+      </p:grpSpPr>
+      <p:sp>
+        <p:nvSpPr>
+          <p:cNvPr id="2" name="Τίτλος 1">
+            <a:extLst>
+              <a:ext uri="{FF2B5EF4-FFF2-40B4-BE49-F238E27FC236}">
+                <a16:creationId xmlns:a16="http://schemas.microsoft.com/office/drawing/2014/main" id="{F6BF4492-4989-881A-FE52-FEF4B27FB572}"/>
+              </a:ext>
+            </a:extLst>
+          </p:cNvPr>
+          <p:cNvSpPr>
+            <a:spLocks noGrp="1"/>
+          </p:cNvSpPr>
+          <p:nvPr>
+            <p:ph type="title"/>
+          </p:nvPr>
+        </p:nvSpPr>
+        <p:spPr/>
+        <p:txBody>
+          <a:bodyPr/>
+          <a:lstStyle/>
+          <a:p>
+            <a:r>
+              <a:rPr lang="el-GR" dirty="0" err="1">
+                <a:solidFill>
+                  <a:srgbClr val="FFC000"/>
+                </a:solidFill>
+                <a:latin typeface="Cambria" panose="02040503050406030204" pitchFamily="18" charset="0"/>
+                <a:ea typeface="Cambria" panose="02040503050406030204" pitchFamily="18" charset="0"/>
+              </a:rPr>
+              <a:t>Προσφορες</a:t>
+            </a:r>
+            <a:r>
+              <a:rPr lang="el-GR" dirty="0">
+                <a:solidFill>
+                  <a:srgbClr val="FFC000"/>
+                </a:solidFill>
+                <a:latin typeface="Cambria" panose="02040503050406030204" pitchFamily="18" charset="0"/>
+                <a:ea typeface="Cambria" panose="02040503050406030204" pitchFamily="18" charset="0"/>
+              </a:rPr>
+              <a:t> </a:t>
+            </a:r>
+            <a:r>
+              <a:rPr lang="el-GR" dirty="0" err="1">
+                <a:solidFill>
+                  <a:srgbClr val="FFC000"/>
+                </a:solidFill>
+                <a:latin typeface="Cambria" panose="02040503050406030204" pitchFamily="18" charset="0"/>
+                <a:ea typeface="Cambria" panose="02040503050406030204" pitchFamily="18" charset="0"/>
+              </a:rPr>
+              <a:t>Επιχειρησεων</a:t>
+            </a:r>
+            <a:endParaRPr lang="en-US" dirty="0">
+              <a:solidFill>
+                <a:srgbClr val="FFC000"/>
+              </a:solidFill>
+              <a:latin typeface="Cambria" panose="02040503050406030204" pitchFamily="18" charset="0"/>
+              <a:ea typeface="Cambria" panose="02040503050406030204" pitchFamily="18" charset="0"/>
+            </a:endParaRPr>
+          </a:p>
+        </p:txBody>
+      </p:sp>
+      <p:sp>
+        <p:nvSpPr>
+          <p:cNvPr id="3" name="Θέση περιεχομένου 2">
+            <a:extLst>
+              <a:ext uri="{FF2B5EF4-FFF2-40B4-BE49-F238E27FC236}">
+                <a16:creationId xmlns:a16="http://schemas.microsoft.com/office/drawing/2014/main" id="{FC601B3A-0B07-5C7B-3E65-B325A96EF4D4}"/>
+              </a:ext>
+            </a:extLst>
+          </p:cNvPr>
+          <p:cNvSpPr>
+            <a:spLocks noGrp="1"/>
+          </p:cNvSpPr>
+          <p:nvPr>
+            <p:ph idx="1"/>
+          </p:nvPr>
+        </p:nvSpPr>
+        <p:spPr/>
+        <p:txBody>
+          <a:bodyPr/>
+          <a:lstStyle/>
+          <a:p>
+            <a:r>
+              <a:rPr lang="el-GR" dirty="0"/>
+              <a:t>Αναφορά στη δυνατότητα δημιουργίας προσφορών από τις επιχειρήσεις για οποιοδήποτε μέγεθος ομάδας και ποσότητα προϊόντων επιθυμούν</a:t>
+            </a:r>
+          </a:p>
+          <a:p>
+            <a:r>
+              <a:rPr lang="el-GR" dirty="0"/>
+              <a:t>Επισήμανση της προβολής αριθμητήρα για το πόσοι χρήστες έχουν προσθέσει ένα προϊόν στη λίστα επιθυμητών τους</a:t>
+            </a:r>
+          </a:p>
+          <a:p>
+            <a:r>
+              <a:rPr lang="el-GR" dirty="0"/>
+              <a:t>Αναφορά στις μελλοντικές δυνατότητες παροχής πληροφοριών στις επιχειρήσεις σχετικά με τα προϊόντα που προβάλλονται περισσότερο ή αγοράζονται περισσότερο</a:t>
+            </a:r>
+            <a:endParaRPr lang="en-US" dirty="0"/>
+          </a:p>
+        </p:txBody>
+      </p:sp>
+      <p:sp>
+        <p:nvSpPr>
+          <p:cNvPr id="4" name="Θέση ημερομηνίας 3">
+            <a:extLst>
+              <a:ext uri="{FF2B5EF4-FFF2-40B4-BE49-F238E27FC236}">
+                <a16:creationId xmlns:a16="http://schemas.microsoft.com/office/drawing/2014/main" id="{85429EA8-9BCA-5BC8-7221-44A882FA156B}"/>
+              </a:ext>
+            </a:extLst>
+          </p:cNvPr>
+          <p:cNvSpPr>
+            <a:spLocks noGrp="1"/>
+          </p:cNvSpPr>
+          <p:nvPr>
+            <p:ph type="dt" sz="half" idx="10"/>
+          </p:nvPr>
+        </p:nvSpPr>
+        <p:spPr/>
+        <p:txBody>
+          <a:bodyPr/>
+          <a:lstStyle/>
+          <a:p>
+            <a:r>
+              <a:rPr lang="en-US"/>
+              <a:t>28/06/2023</a:t>
+            </a:r>
+          </a:p>
+        </p:txBody>
+      </p:sp>
+      <p:sp>
+        <p:nvSpPr>
+          <p:cNvPr id="5" name="Θέση υποσέλιδου 4">
+            <a:extLst>
+              <a:ext uri="{FF2B5EF4-FFF2-40B4-BE49-F238E27FC236}">
+                <a16:creationId xmlns:a16="http://schemas.microsoft.com/office/drawing/2014/main" id="{644C25E8-10D6-03C1-71B8-8FA397451FF5}"/>
+              </a:ext>
+            </a:extLst>
+          </p:cNvPr>
+          <p:cNvSpPr>
+            <a:spLocks noGrp="1"/>
+          </p:cNvSpPr>
+          <p:nvPr>
+            <p:ph type="ftr" sz="quarter" idx="11"/>
+          </p:nvPr>
+        </p:nvSpPr>
+        <p:spPr/>
+        <p:txBody>
+          <a:bodyPr/>
+          <a:lstStyle/>
+          <a:p>
+            <a:r>
+              <a:rPr lang="el-GR"/>
+              <a:t>Υπλγος(ΠΒ) Σωτηρίου Δημήτριος, Υπλγος(ΠΒ) Καραγιάννης Α. Αλέξανδρος. ΣΠΗΥ 141η Ε.Σ.</a:t>
+            </a:r>
+            <a:endParaRPr lang="en-US"/>
+          </a:p>
+        </p:txBody>
+      </p:sp>
+      <p:sp>
+        <p:nvSpPr>
+          <p:cNvPr id="6" name="Θέση αριθμού διαφάνειας 5">
+            <a:extLst>
+              <a:ext uri="{FF2B5EF4-FFF2-40B4-BE49-F238E27FC236}">
+                <a16:creationId xmlns:a16="http://schemas.microsoft.com/office/drawing/2014/main" id="{F52D513C-E6AD-461C-E63B-6F5CEA24815B}"/>
+              </a:ext>
+            </a:extLst>
+          </p:cNvPr>
+          <p:cNvSpPr>
+            <a:spLocks noGrp="1"/>
+          </p:cNvSpPr>
+          <p:nvPr>
+            <p:ph type="sldNum" sz="quarter" idx="12"/>
+          </p:nvPr>
+        </p:nvSpPr>
+        <p:spPr/>
+        <p:txBody>
+          <a:bodyPr/>
+          <a:lstStyle/>
+          <a:p>
+            <a:fld id="{BFAB7414-13AA-49EE-BACF-30B1D07F9A2F}" type="slidenum">
+              <a:rPr lang="en-US" smtClean="0"/>
+              <a:t>13</a:t>
+            </a:fld>
+            <a:endParaRPr lang="en-US"/>
+          </a:p>
+        </p:txBody>
+      </p:sp>
+    </p:spTree>
+    <p:extLst>
+      <p:ext uri="{BB962C8B-B14F-4D97-AF65-F5344CB8AC3E}">
+        <p14:creationId xmlns:p14="http://schemas.microsoft.com/office/powerpoint/2010/main" val="1414013989"/>
+      </p:ext>
+    </p:extLst>
+  </p:cSld>
+  <p:clrMapOvr>
+    <a:masterClrMapping/>
+  </p:clrMapOvr>
+</p:sld>
+</file>
+
+<file path=ppt/slides/slide14.xml><?xml version="1.0" encoding="utf-8"?>
+<p:sld xmlns:a="http://schemas.openxmlformats.org/drawingml/2006/main" xmlns:r="http://schemas.openxmlformats.org/officeDocument/2006/relationships" xmlns:p="http://schemas.openxmlformats.org/presentationml/2006/main">
+  <p:cSld>
+    <p:spTree>
+      <p:nvGrpSpPr>
+        <p:cNvPr id="1" name=""/>
+        <p:cNvGrpSpPr/>
+        <p:nvPr/>
+      </p:nvGrpSpPr>
+      <p:grpSpPr>
+        <a:xfrm>
+          <a:off x="0" y="0"/>
+          <a:ext cx="0" cy="0"/>
+          <a:chOff x="0" y="0"/>
+          <a:chExt cx="0" cy="0"/>
+        </a:xfrm>
+      </p:grpSpPr>
+      <p:sp>
+        <p:nvSpPr>
+          <p:cNvPr id="2" name="Τίτλος 1">
+            <a:extLst>
+              <a:ext uri="{FF2B5EF4-FFF2-40B4-BE49-F238E27FC236}">
+                <a16:creationId xmlns:a16="http://schemas.microsoft.com/office/drawing/2014/main" id="{52C4F870-33A1-D5C6-86B9-8B6630EC39B2}"/>
+              </a:ext>
+            </a:extLst>
+          </p:cNvPr>
+          <p:cNvSpPr>
+            <a:spLocks noGrp="1"/>
+          </p:cNvSpPr>
+          <p:nvPr>
+            <p:ph type="title"/>
+          </p:nvPr>
+        </p:nvSpPr>
+        <p:spPr/>
+        <p:txBody>
+          <a:bodyPr/>
+          <a:lstStyle/>
+          <a:p>
+            <a:r>
+              <a:rPr lang="el-GR" dirty="0" err="1">
+                <a:solidFill>
+                  <a:srgbClr val="FFC000"/>
+                </a:solidFill>
+                <a:latin typeface="Cambria" panose="02040503050406030204" pitchFamily="18" charset="0"/>
+                <a:ea typeface="Cambria" panose="02040503050406030204" pitchFamily="18" charset="0"/>
+              </a:rPr>
+              <a:t>Διαδικασια</a:t>
+            </a:r>
+            <a:r>
+              <a:rPr lang="el-GR" dirty="0">
+                <a:solidFill>
+                  <a:srgbClr val="FFC000"/>
+                </a:solidFill>
+                <a:latin typeface="Cambria" panose="02040503050406030204" pitchFamily="18" charset="0"/>
+                <a:ea typeface="Cambria" panose="02040503050406030204" pitchFamily="18" charset="0"/>
+              </a:rPr>
+              <a:t> </a:t>
+            </a:r>
+            <a:r>
+              <a:rPr lang="el-GR" dirty="0" err="1">
+                <a:solidFill>
+                  <a:srgbClr val="FFC000"/>
+                </a:solidFill>
+                <a:latin typeface="Cambria" panose="02040503050406030204" pitchFamily="18" charset="0"/>
+                <a:ea typeface="Cambria" panose="02040503050406030204" pitchFamily="18" charset="0"/>
+              </a:rPr>
+              <a:t>Συμμετοχης</a:t>
+            </a:r>
+            <a:r>
+              <a:rPr lang="el-GR" dirty="0">
+                <a:solidFill>
+                  <a:srgbClr val="FFC000"/>
+                </a:solidFill>
+                <a:latin typeface="Cambria" panose="02040503050406030204" pitchFamily="18" charset="0"/>
+                <a:ea typeface="Cambria" panose="02040503050406030204" pitchFamily="18" charset="0"/>
+              </a:rPr>
+              <a:t> </a:t>
+            </a:r>
+            <a:br>
+              <a:rPr lang="el-GR" dirty="0">
+                <a:solidFill>
+                  <a:srgbClr val="FFC000"/>
+                </a:solidFill>
+                <a:latin typeface="Cambria" panose="02040503050406030204" pitchFamily="18" charset="0"/>
+                <a:ea typeface="Cambria" panose="02040503050406030204" pitchFamily="18" charset="0"/>
+              </a:rPr>
+            </a:br>
+            <a:r>
+              <a:rPr lang="el-GR" dirty="0">
+                <a:solidFill>
+                  <a:srgbClr val="FFC000"/>
+                </a:solidFill>
+                <a:latin typeface="Cambria" panose="02040503050406030204" pitchFamily="18" charset="0"/>
+                <a:ea typeface="Cambria" panose="02040503050406030204" pitchFamily="18" charset="0"/>
+              </a:rPr>
+              <a:t>σε </a:t>
+            </a:r>
+            <a:r>
+              <a:rPr lang="el-GR" dirty="0" err="1">
+                <a:solidFill>
+                  <a:srgbClr val="FFC000"/>
+                </a:solidFill>
+                <a:latin typeface="Cambria" panose="02040503050406030204" pitchFamily="18" charset="0"/>
+                <a:ea typeface="Cambria" panose="02040503050406030204" pitchFamily="18" charset="0"/>
+              </a:rPr>
+              <a:t>Προσφορες</a:t>
+            </a:r>
+            <a:endParaRPr lang="en-US" dirty="0">
+              <a:solidFill>
+                <a:srgbClr val="FFC000"/>
+              </a:solidFill>
+              <a:latin typeface="Cambria" panose="02040503050406030204" pitchFamily="18" charset="0"/>
+              <a:ea typeface="Cambria" panose="02040503050406030204" pitchFamily="18" charset="0"/>
+            </a:endParaRPr>
+          </a:p>
+        </p:txBody>
+      </p:sp>
+      <p:sp>
+        <p:nvSpPr>
+          <p:cNvPr id="3" name="Θέση περιεχομένου 2">
+            <a:extLst>
+              <a:ext uri="{FF2B5EF4-FFF2-40B4-BE49-F238E27FC236}">
+                <a16:creationId xmlns:a16="http://schemas.microsoft.com/office/drawing/2014/main" id="{833983CA-48C4-EB68-8A00-2CB48C9CC36C}"/>
+              </a:ext>
+            </a:extLst>
+          </p:cNvPr>
+          <p:cNvSpPr>
+            <a:spLocks noGrp="1"/>
+          </p:cNvSpPr>
+          <p:nvPr>
+            <p:ph idx="1"/>
+          </p:nvPr>
+        </p:nvSpPr>
+        <p:spPr/>
+        <p:txBody>
+          <a:bodyPr/>
+          <a:lstStyle/>
+          <a:p>
+            <a:r>
+              <a:rPr lang="el-GR" dirty="0"/>
+              <a:t>Περιγραφή της διαδικασίας όπου οι χρήστες μπορούν να συμμετέχουν σε μια προσφορά πληρώνοντας μια μικρή χρέωση</a:t>
+            </a:r>
+          </a:p>
+          <a:p>
+            <a:r>
+              <a:rPr lang="el-GR" dirty="0"/>
+              <a:t>Επεξήγηση ότι οι επιχειρήσεις ενημερώνονται για την κατάσταση της προσφοράς και μπορούν να αποδεχθούν ή ακυρώσουν την προσφορά</a:t>
+            </a:r>
+          </a:p>
+          <a:p>
+            <a:r>
+              <a:rPr lang="el-GR" dirty="0"/>
+              <a:t>Περιγραφή των περιορισμών χρόνου και πληρωμής για τους χρήστες και τη διαδικασία αποστολής των προϊόντων από τις επιχειρήσεις</a:t>
+            </a:r>
+            <a:endParaRPr lang="en-US" dirty="0"/>
+          </a:p>
+        </p:txBody>
+      </p:sp>
+      <p:sp>
+        <p:nvSpPr>
+          <p:cNvPr id="4" name="Θέση ημερομηνίας 3">
+            <a:extLst>
+              <a:ext uri="{FF2B5EF4-FFF2-40B4-BE49-F238E27FC236}">
+                <a16:creationId xmlns:a16="http://schemas.microsoft.com/office/drawing/2014/main" id="{C766A8AC-C500-5AC8-166E-EE7D3165B331}"/>
+              </a:ext>
+            </a:extLst>
+          </p:cNvPr>
+          <p:cNvSpPr>
+            <a:spLocks noGrp="1"/>
+          </p:cNvSpPr>
+          <p:nvPr>
+            <p:ph type="dt" sz="half" idx="10"/>
+          </p:nvPr>
+        </p:nvSpPr>
+        <p:spPr/>
+        <p:txBody>
+          <a:bodyPr/>
+          <a:lstStyle/>
+          <a:p>
+            <a:r>
+              <a:rPr lang="en-US"/>
+              <a:t>28/06/2023</a:t>
+            </a:r>
+          </a:p>
+        </p:txBody>
+      </p:sp>
+      <p:sp>
+        <p:nvSpPr>
+          <p:cNvPr id="5" name="Θέση υποσέλιδου 4">
+            <a:extLst>
+              <a:ext uri="{FF2B5EF4-FFF2-40B4-BE49-F238E27FC236}">
+                <a16:creationId xmlns:a16="http://schemas.microsoft.com/office/drawing/2014/main" id="{9887C25C-255D-353F-9DD6-3C5BE43AF064}"/>
+              </a:ext>
+            </a:extLst>
+          </p:cNvPr>
+          <p:cNvSpPr>
+            <a:spLocks noGrp="1"/>
+          </p:cNvSpPr>
+          <p:nvPr>
+            <p:ph type="ftr" sz="quarter" idx="11"/>
+          </p:nvPr>
+        </p:nvSpPr>
+        <p:spPr/>
+        <p:txBody>
+          <a:bodyPr/>
+          <a:lstStyle/>
+          <a:p>
+            <a:r>
+              <a:rPr lang="el-GR"/>
+              <a:t>Υπλγος(ΠΒ) Σωτηρίου Δημήτριος, Υπλγος(ΠΒ) Καραγιάννης Α. Αλέξανδρος. ΣΠΗΥ 141η Ε.Σ.</a:t>
+            </a:r>
+            <a:endParaRPr lang="en-US"/>
+          </a:p>
+        </p:txBody>
+      </p:sp>
+      <p:sp>
+        <p:nvSpPr>
+          <p:cNvPr id="6" name="Θέση αριθμού διαφάνειας 5">
+            <a:extLst>
+              <a:ext uri="{FF2B5EF4-FFF2-40B4-BE49-F238E27FC236}">
+                <a16:creationId xmlns:a16="http://schemas.microsoft.com/office/drawing/2014/main" id="{5EDA823D-160F-A0AF-7923-369EA3ABCE46}"/>
+              </a:ext>
+            </a:extLst>
+          </p:cNvPr>
+          <p:cNvSpPr>
+            <a:spLocks noGrp="1"/>
+          </p:cNvSpPr>
+          <p:nvPr>
+            <p:ph type="sldNum" sz="quarter" idx="12"/>
+          </p:nvPr>
+        </p:nvSpPr>
+        <p:spPr/>
+        <p:txBody>
+          <a:bodyPr/>
+          <a:lstStyle/>
+          <a:p>
+            <a:fld id="{BFAB7414-13AA-49EE-BACF-30B1D07F9A2F}" type="slidenum">
+              <a:rPr lang="en-US" smtClean="0"/>
+              <a:t>14</a:t>
+            </a:fld>
+            <a:endParaRPr lang="en-US"/>
+          </a:p>
+        </p:txBody>
+      </p:sp>
+    </p:spTree>
+    <p:extLst>
+      <p:ext uri="{BB962C8B-B14F-4D97-AF65-F5344CB8AC3E}">
+        <p14:creationId xmlns:p14="http://schemas.microsoft.com/office/powerpoint/2010/main" val="2657098326"/>
+      </p:ext>
+    </p:extLst>
+  </p:cSld>
+  <p:clrMapOvr>
+    <a:masterClrMapping/>
+  </p:clrMapOvr>
+</p:sld>
+</file>
+
+<file path=ppt/slides/slide15.xml><?xml version="1.0" encoding="utf-8"?>
+<p:sld xmlns:a="http://schemas.openxmlformats.org/drawingml/2006/main" xmlns:r="http://schemas.openxmlformats.org/officeDocument/2006/relationships" xmlns:p="http://schemas.openxmlformats.org/presentationml/2006/main">
+  <p:cSld>
+    <p:spTree>
+      <p:nvGrpSpPr>
+        <p:cNvPr id="1" name=""/>
+        <p:cNvGrpSpPr/>
+        <p:nvPr/>
+      </p:nvGrpSpPr>
+      <p:grpSpPr>
+        <a:xfrm>
+          <a:off x="0" y="0"/>
+          <a:ext cx="0" cy="0"/>
+          <a:chOff x="0" y="0"/>
+          <a:chExt cx="0" cy="0"/>
+        </a:xfrm>
+      </p:grpSpPr>
       <p:sp>
         <p:nvSpPr>
           <p:cNvPr id="2" name="Τίτλος 1">
@@ -6885,7 +8520,7 @@
           <a:p>
             <a:fld id="{BFAB7414-13AA-49EE-BACF-30B1D07F9A2F}" type="slidenum">
               <a:rPr lang="en-US" smtClean="0"/>
-              <a:t>11</a:t>
+              <a:t>15</a:t>
             </a:fld>
             <a:endParaRPr lang="en-US"/>
           </a:p>
@@ -7438,7 +9073,7 @@
 </p:sld>
 </file>
 
-<file path=ppt/slides/slide12.xml><?xml version="1.0" encoding="utf-8"?>
+<file path=ppt/slides/slide16.xml><?xml version="1.0" encoding="utf-8"?>
 <p:sld xmlns:a="http://schemas.openxmlformats.org/drawingml/2006/main" xmlns:r="http://schemas.openxmlformats.org/officeDocument/2006/relationships" xmlns:p="http://schemas.openxmlformats.org/presentationml/2006/main">
   <p:cSld>
     <p:spTree>
@@ -8154,13 +9789,13 @@
   <p:clrMapOvr>
     <a:masterClrMapping/>
   </p:clrMapOvr>
-  <mc:AlternateContent xmlns:mc="http://schemas.openxmlformats.org/markup-compatibility/2006">
-    <mc:Choice xmlns:p159="http://schemas.microsoft.com/office/powerpoint/2015/09/main" Requires="p159">
+  <mc:AlternateContent xmlns:mc="http://schemas.openxmlformats.org/markup-compatibility/2006" xmlns:p159="http://schemas.microsoft.com/office/powerpoint/2015/09/main">
+    <mc:Choice Requires="p159">
       <p:transition xmlns:p14="http://schemas.microsoft.com/office/powerpoint/2010/main" spd="slow" p14:dur="2000">
         <p159:morph option="byObject"/>
       </p:transition>
     </mc:Choice>
-    <mc:Fallback>
+    <mc:Fallback xmlns="">
       <p:transition spd="slow">
         <p:fade/>
       </p:transition>
@@ -8169,7 +9804,7 @@
 </p:sld>
 </file>
 
-<file path=ppt/slides/slide13.xml><?xml version="1.0" encoding="utf-8"?>
+<file path=ppt/slides/slide17.xml><?xml version="1.0" encoding="utf-8"?>
 <p:sld xmlns:a="http://schemas.openxmlformats.org/drawingml/2006/main" xmlns:r="http://schemas.openxmlformats.org/officeDocument/2006/relationships" xmlns:p="http://schemas.openxmlformats.org/presentationml/2006/main">
   <p:cSld>
     <p:spTree>
@@ -8885,13 +10520,13 @@
   <p:clrMapOvr>
     <a:masterClrMapping/>
   </p:clrMapOvr>
-  <mc:AlternateContent xmlns:mc="http://schemas.openxmlformats.org/markup-compatibility/2006">
-    <mc:Choice xmlns:p159="http://schemas.microsoft.com/office/powerpoint/2015/09/main" Requires="p159">
+  <mc:AlternateContent xmlns:mc="http://schemas.openxmlformats.org/markup-compatibility/2006" xmlns:p159="http://schemas.microsoft.com/office/powerpoint/2015/09/main">
+    <mc:Choice Requires="p159">
       <p:transition xmlns:p14="http://schemas.microsoft.com/office/powerpoint/2010/main" spd="slow" p14:dur="2000">
         <p159:morph option="byObject"/>
       </p:transition>
     </mc:Choice>
-    <mc:Fallback>
+    <mc:Fallback xmlns="">
       <p:transition spd="slow">
         <p:fade/>
       </p:transition>
@@ -8900,7 +10535,7 @@
 </p:sld>
 </file>
 
-<file path=ppt/slides/slide14.xml><?xml version="1.0" encoding="utf-8"?>
+<file path=ppt/slides/slide18.xml><?xml version="1.0" encoding="utf-8"?>
 <p:sld xmlns:a="http://schemas.openxmlformats.org/drawingml/2006/main" xmlns:r="http://schemas.openxmlformats.org/officeDocument/2006/relationships" xmlns:p="http://schemas.openxmlformats.org/presentationml/2006/main">
   <p:cSld>
     <p:spTree>
@@ -9616,13 +11251,13 @@
   <p:clrMapOvr>
     <a:masterClrMapping/>
   </p:clrMapOvr>
-  <mc:AlternateContent xmlns:mc="http://schemas.openxmlformats.org/markup-compatibility/2006">
-    <mc:Choice xmlns:p159="http://schemas.microsoft.com/office/powerpoint/2015/09/main" Requires="p159">
+  <mc:AlternateContent xmlns:mc="http://schemas.openxmlformats.org/markup-compatibility/2006" xmlns:p159="http://schemas.microsoft.com/office/powerpoint/2015/09/main">
+    <mc:Choice Requires="p159">
       <p:transition xmlns:p14="http://schemas.microsoft.com/office/powerpoint/2010/main" spd="slow" p14:dur="2000">
         <p159:morph option="byObject"/>
       </p:transition>
     </mc:Choice>
-    <mc:Fallback>
+    <mc:Fallback xmlns="">
       <p:transition spd="slow">
         <p:fade/>
       </p:transition>
@@ -9631,7 +11266,7 @@
 </p:sld>
 </file>
 
-<file path=ppt/slides/slide15.xml><?xml version="1.0" encoding="utf-8"?>
+<file path=ppt/slides/slide19.xml><?xml version="1.0" encoding="utf-8"?>
 <p:sld xmlns:a="http://schemas.openxmlformats.org/drawingml/2006/main" xmlns:r="http://schemas.openxmlformats.org/officeDocument/2006/relationships" xmlns:p="http://schemas.openxmlformats.org/presentationml/2006/main">
   <p:cSld>
     <p:spTree>
@@ -10231,13 +11866,13 @@
   <p:clrMapOvr>
     <a:masterClrMapping/>
   </p:clrMapOvr>
-  <mc:AlternateContent xmlns:mc="http://schemas.openxmlformats.org/markup-compatibility/2006">
-    <mc:Choice xmlns:p159="http://schemas.microsoft.com/office/powerpoint/2015/09/main" Requires="p159">
+  <mc:AlternateContent xmlns:mc="http://schemas.openxmlformats.org/markup-compatibility/2006" xmlns:p159="http://schemas.microsoft.com/office/powerpoint/2015/09/main">
+    <mc:Choice Requires="p159">
       <p:transition xmlns:p14="http://schemas.microsoft.com/office/powerpoint/2010/main" spd="slow" p14:dur="2000">
         <p159:morph option="byObject"/>
       </p:transition>
     </mc:Choice>
-    <mc:Fallback>
+    <mc:Fallback xmlns="">
       <p:transition spd="slow">
         <p:fade/>
       </p:transition>
@@ -10579,13 +12214,13 @@
   <p:clrMapOvr>
     <a:masterClrMapping/>
   </p:clrMapOvr>
-  <mc:AlternateContent xmlns:mc="http://schemas.openxmlformats.org/markup-compatibility/2006">
-    <mc:Choice xmlns:p159="http://schemas.microsoft.com/office/powerpoint/2015/09/main" Requires="p159">
+  <mc:AlternateContent xmlns:mc="http://schemas.openxmlformats.org/markup-compatibility/2006" xmlns:p159="http://schemas.microsoft.com/office/powerpoint/2015/09/main">
+    <mc:Choice Requires="p159">
       <p:transition xmlns:p14="http://schemas.microsoft.com/office/powerpoint/2010/main" spd="slow" p14:dur="2000">
         <p159:morph option="byObject"/>
       </p:transition>
     </mc:Choice>
-    <mc:Fallback>
+    <mc:Fallback xmlns="">
       <p:transition spd="slow">
         <p:fade/>
       </p:transition>
@@ -11863,10 +13498,56 @@
       </p:grpSpPr>
       <p:sp>
         <p:nvSpPr>
+          <p:cNvPr id="18" name="Ορθογώνιο 17">
+            <a:extLst>
+              <a:ext uri="{FF2B5EF4-FFF2-40B4-BE49-F238E27FC236}">
+                <a16:creationId xmlns:a16="http://schemas.microsoft.com/office/drawing/2014/main" id="{B43ADA3B-EC4A-0691-38F5-71B21B84506D}"/>
+              </a:ext>
+            </a:extLst>
+          </p:cNvPr>
+          <p:cNvSpPr/>
+          <p:nvPr/>
+        </p:nvSpPr>
+        <p:spPr>
+          <a:xfrm>
+            <a:off x="8159262" y="1032069"/>
+            <a:ext cx="4032738" cy="1025332"/>
+          </a:xfrm>
+          <a:prstGeom prst="rect">
+            <a:avLst/>
+          </a:prstGeom>
+        </p:spPr>
+        <p:style>
+          <a:lnRef idx="2">
+            <a:schemeClr val="dk1">
+              <a:shade val="15000"/>
+            </a:schemeClr>
+          </a:lnRef>
+          <a:fillRef idx="1">
+            <a:schemeClr val="dk1"/>
+          </a:fillRef>
+          <a:effectRef idx="0">
+            <a:schemeClr val="dk1"/>
+          </a:effectRef>
+          <a:fontRef idx="minor">
+            <a:schemeClr val="lt1"/>
+          </a:fontRef>
+        </p:style>
+        <p:txBody>
+          <a:bodyPr rtlCol="0" anchor="ctr"/>
+          <a:lstStyle/>
+          <a:p>
+            <a:pPr algn="ctr"/>
+            <a:endParaRPr lang="en-US"/>
+          </a:p>
+        </p:txBody>
+      </p:sp>
+      <p:sp>
+        <p:nvSpPr>
           <p:cNvPr id="2" name="Τίτλος 1">
             <a:extLst>
               <a:ext uri="{FF2B5EF4-FFF2-40B4-BE49-F238E27FC236}">
-                <a16:creationId xmlns:a16="http://schemas.microsoft.com/office/drawing/2014/main" id="{13FD7965-4649-233E-1E9E-5110A159E0F5}"/>
+                <a16:creationId xmlns:a16="http://schemas.microsoft.com/office/drawing/2014/main" id="{40E590E0-9E9A-C772-A2DC-E8B941D6B130}"/>
               </a:ext>
             </a:extLst>
           </p:cNvPr>
@@ -11890,7 +13571,7 @@
                 <a:latin typeface="Cambria" panose="02040503050406030204" pitchFamily="18" charset="0"/>
                 <a:ea typeface="Cambria" panose="02040503050406030204" pitchFamily="18" charset="0"/>
               </a:rPr>
-              <a:t>Διεπαφη</a:t>
+              <a:t>Βαση</a:t>
             </a:r>
             <a:r>
               <a:rPr lang="el-GR" dirty="0">
@@ -11910,17 +13591,7 @@
                 <a:latin typeface="Cambria" panose="02040503050406030204" pitchFamily="18" charset="0"/>
                 <a:ea typeface="Cambria" panose="02040503050406030204" pitchFamily="18" charset="0"/>
               </a:rPr>
-              <a:t>Ιστου</a:t>
-            </a:r>
-            <a:r>
-              <a:rPr lang="el-GR" dirty="0">
-                <a:solidFill>
-                  <a:srgbClr val="FFC000"/>
-                </a:solidFill>
-                <a:latin typeface="Cambria" panose="02040503050406030204" pitchFamily="18" charset="0"/>
-                <a:ea typeface="Cambria" panose="02040503050406030204" pitchFamily="18" charset="0"/>
-              </a:rPr>
-              <a:t> &amp; </a:t>
+              <a:t>δεδομενων</a:t>
             </a:r>
             <a:br>
               <a:rPr lang="el-GR" dirty="0">
@@ -11932,14 +13603,14 @@
               </a:rPr>
             </a:br>
             <a:r>
-              <a:rPr lang="el-GR" dirty="0" err="1">
+              <a:rPr lang="en-US" dirty="0">
                 <a:solidFill>
                   <a:srgbClr val="FFC000"/>
                 </a:solidFill>
                 <a:latin typeface="Cambria" panose="02040503050406030204" pitchFamily="18" charset="0"/>
                 <a:ea typeface="Cambria" panose="02040503050406030204" pitchFamily="18" charset="0"/>
               </a:rPr>
-              <a:t>Κινητης</a:t>
+              <a:t>Group</a:t>
             </a:r>
             <a:r>
               <a:rPr lang="el-GR" dirty="0">
@@ -11952,40 +13623,222 @@
               <a:t> </a:t>
             </a:r>
             <a:r>
-              <a:rPr lang="el-GR" dirty="0" err="1">
+              <a:rPr lang="en-US" dirty="0">
                 <a:solidFill>
                   <a:srgbClr val="FFC000"/>
                 </a:solidFill>
                 <a:latin typeface="Cambria" panose="02040503050406030204" pitchFamily="18" charset="0"/>
                 <a:ea typeface="Cambria" panose="02040503050406030204" pitchFamily="18" charset="0"/>
               </a:rPr>
-              <a:t>Συσκευης</a:t>
-            </a:r>
-            <a:endParaRPr lang="en-US" dirty="0">
-              <a:solidFill>
-                <a:srgbClr val="FFC000"/>
-              </a:solidFill>
-              <a:latin typeface="Cambria" panose="02040503050406030204" pitchFamily="18" charset="0"/>
-              <a:ea typeface="Cambria" panose="02040503050406030204" pitchFamily="18" charset="0"/>
-            </a:endParaRPr>
-          </a:p>
-        </p:txBody>
-      </p:sp>
-      <p:sp>
-        <p:nvSpPr>
-          <p:cNvPr id="3" name="Θέση περιεχομένου 2">
+              <a:t>Buy</a:t>
+            </a:r>
+          </a:p>
+        </p:txBody>
+      </p:sp>
+      <p:pic>
+        <p:nvPicPr>
+          <p:cNvPr id="13" name="Εικόνα 12" descr="Εικόνα που περιέχει κείμενο, στιγμιότυπο οθόνης, διάγραμμα, σχεδίαση&#10;&#10;Περιγραφή που δημιουργήθηκε αυτόματα">
             <a:extLst>
               <a:ext uri="{FF2B5EF4-FFF2-40B4-BE49-F238E27FC236}">
-                <a16:creationId xmlns:a16="http://schemas.microsoft.com/office/drawing/2014/main" id="{21C5C6CC-DEFF-5C31-307D-7B575135ECAB}"/>
+                <a16:creationId xmlns:a16="http://schemas.microsoft.com/office/drawing/2014/main" id="{486715CC-6AC3-AB10-C228-7DE1EF47F421}"/>
               </a:ext>
             </a:extLst>
           </p:cNvPr>
-          <p:cNvSpPr>
-            <a:spLocks noGrp="1"/>
-          </p:cNvSpPr>
+          <p:cNvPicPr>
+            <a:picLocks noChangeAspect="1"/>
+          </p:cNvPicPr>
+          <p:nvPr/>
+        </p:nvPicPr>
+        <p:blipFill>
+          <a:blip r:embed="rId2">
+            <a:extLst>
+              <a:ext uri="{28A0092B-C50C-407E-A947-70E740481C1C}">
+                <a14:useLocalDpi xmlns:a14="http://schemas.microsoft.com/office/drawing/2010/main" val="0"/>
+              </a:ext>
+            </a:extLst>
+          </a:blip>
+          <a:stretch>
+            <a:fillRect/>
+          </a:stretch>
+        </p:blipFill>
+        <p:spPr>
+          <a:xfrm>
+            <a:off x="1720095" y="1327991"/>
+            <a:ext cx="7230302" cy="4798237"/>
+          </a:xfrm>
+          <a:prstGeom prst="rect">
+            <a:avLst/>
+          </a:prstGeom>
+        </p:spPr>
+      </p:pic>
+      <p:pic>
+        <p:nvPicPr>
+          <p:cNvPr id="14" name="Εικόνα 13" descr="Εικόνα που περιέχει στιγμιότυπο οθόνης, κείμενο, διάγραμμα, γραμμή&#10;&#10;Περιγραφή που δημιουργήθηκε αυτόματα">
+            <a:extLst>
+              <a:ext uri="{FF2B5EF4-FFF2-40B4-BE49-F238E27FC236}">
+                <a16:creationId xmlns:a16="http://schemas.microsoft.com/office/drawing/2014/main" id="{12B97175-4710-8922-CC49-8E902AB9612B}"/>
+              </a:ext>
+            </a:extLst>
+          </p:cNvPr>
+          <p:cNvPicPr>
+            <a:picLocks noChangeAspect="1"/>
+          </p:cNvPicPr>
+          <p:nvPr/>
+        </p:nvPicPr>
+        <p:blipFill>
+          <a:blip r:embed="rId3">
+            <a:extLst>
+              <a:ext uri="{28A0092B-C50C-407E-A947-70E740481C1C}">
+                <a14:useLocalDpi xmlns:a14="http://schemas.microsoft.com/office/drawing/2010/main" val="0"/>
+              </a:ext>
+            </a:extLst>
+          </a:blip>
+          <a:stretch>
+            <a:fillRect/>
+          </a:stretch>
+        </p:blipFill>
+        <p:spPr>
+          <a:xfrm>
+            <a:off x="1720094" y="1327739"/>
+            <a:ext cx="7230302" cy="4798237"/>
+          </a:xfrm>
+          <a:prstGeom prst="rect">
+            <a:avLst/>
+          </a:prstGeom>
+        </p:spPr>
+      </p:pic>
+      <p:pic>
+        <p:nvPicPr>
+          <p:cNvPr id="9" name="Εικόνα 8" descr="Εικόνα που περιέχει κείμενο, στιγμιότυπο οθόνης, διάγραμμα, σχεδίαση&#10;&#10;Περιγραφή που δημιουργήθηκε αυτόματα">
+            <a:extLst>
+              <a:ext uri="{FF2B5EF4-FFF2-40B4-BE49-F238E27FC236}">
+                <a16:creationId xmlns:a16="http://schemas.microsoft.com/office/drawing/2014/main" id="{79DE2810-7F3A-C0B8-736E-8D4BD03361A8}"/>
+              </a:ext>
+            </a:extLst>
+          </p:cNvPr>
+          <p:cNvPicPr>
+            <a:picLocks noChangeAspect="1"/>
+          </p:cNvPicPr>
+          <p:nvPr/>
+        </p:nvPicPr>
+        <p:blipFill>
+          <a:blip r:embed="rId4">
+            <a:extLst>
+              <a:ext uri="{28A0092B-C50C-407E-A947-70E740481C1C}">
+                <a14:useLocalDpi xmlns:a14="http://schemas.microsoft.com/office/drawing/2010/main" val="0"/>
+              </a:ext>
+            </a:extLst>
+          </a:blip>
+          <a:stretch>
+            <a:fillRect/>
+          </a:stretch>
+        </p:blipFill>
+        <p:spPr>
+          <a:xfrm>
+            <a:off x="1720096" y="1327991"/>
+            <a:ext cx="7230302" cy="4798237"/>
+          </a:xfrm>
+          <a:prstGeom prst="rect">
+            <a:avLst/>
+          </a:prstGeom>
+        </p:spPr>
+      </p:pic>
+      <p:pic>
+        <p:nvPicPr>
+          <p:cNvPr id="8" name="Θέση περιεχομένου 7" descr="Εικόνα που περιέχει στιγμιότυπο οθόνης, κείμενο, διάγραμμα, σχεδίαση&#10;&#10;Περιγραφή που δημιουργήθηκε αυτόματα">
+            <a:extLst>
+              <a:ext uri="{FF2B5EF4-FFF2-40B4-BE49-F238E27FC236}">
+                <a16:creationId xmlns:a16="http://schemas.microsoft.com/office/drawing/2014/main" id="{53599EB2-74B7-9DFC-3855-AA7517A9D45E}"/>
+              </a:ext>
+            </a:extLst>
+          </p:cNvPr>
+          <p:cNvPicPr>
+            <a:picLocks noGrp="1" noChangeAspect="1"/>
+          </p:cNvPicPr>
           <p:nvPr>
             <p:ph idx="1"/>
           </p:nvPr>
+        </p:nvPicPr>
+        <p:blipFill>
+          <a:blip r:embed="rId5">
+            <a:extLst>
+              <a:ext uri="{28A0092B-C50C-407E-A947-70E740481C1C}">
+                <a14:useLocalDpi xmlns:a14="http://schemas.microsoft.com/office/drawing/2010/main" val="0"/>
+              </a:ext>
+            </a:extLst>
+          </a:blip>
+          <a:stretch>
+            <a:fillRect/>
+          </a:stretch>
+        </p:blipFill>
+        <p:spPr>
+          <a:xfrm>
+            <a:off x="1720097" y="1327993"/>
+            <a:ext cx="7230301" cy="4798236"/>
+          </a:xfrm>
+        </p:spPr>
+      </p:pic>
+      <p:sp>
+        <p:nvSpPr>
+          <p:cNvPr id="16" name="Ορθογώνιο 15">
+            <a:extLst>
+              <a:ext uri="{FF2B5EF4-FFF2-40B4-BE49-F238E27FC236}">
+                <a16:creationId xmlns:a16="http://schemas.microsoft.com/office/drawing/2014/main" id="{908A075F-5D10-866B-29CB-0BD5E2ACE3ED}"/>
+              </a:ext>
+            </a:extLst>
+          </p:cNvPr>
+          <p:cNvSpPr/>
+          <p:nvPr/>
+        </p:nvSpPr>
+        <p:spPr>
+          <a:xfrm>
+            <a:off x="0" y="6126228"/>
+            <a:ext cx="12192000" cy="731772"/>
+          </a:xfrm>
+          <a:prstGeom prst="rect">
+            <a:avLst/>
+          </a:prstGeom>
+        </p:spPr>
+        <p:style>
+          <a:lnRef idx="2">
+            <a:schemeClr val="dk1">
+              <a:shade val="15000"/>
+            </a:schemeClr>
+          </a:lnRef>
+          <a:fillRef idx="1">
+            <a:schemeClr val="dk1"/>
+          </a:fillRef>
+          <a:effectRef idx="0">
+            <a:schemeClr val="dk1"/>
+          </a:effectRef>
+          <a:fontRef idx="minor">
+            <a:schemeClr val="lt1"/>
+          </a:fontRef>
+        </p:style>
+        <p:txBody>
+          <a:bodyPr rtlCol="0" anchor="ctr"/>
+          <a:lstStyle/>
+          <a:p>
+            <a:pPr algn="ctr"/>
+            <a:endParaRPr lang="en-US"/>
+          </a:p>
+        </p:txBody>
+      </p:sp>
+      <p:sp>
+        <p:nvSpPr>
+          <p:cNvPr id="4" name="Θέση ημερομηνίας 3">
+            <a:extLst>
+              <a:ext uri="{FF2B5EF4-FFF2-40B4-BE49-F238E27FC236}">
+                <a16:creationId xmlns:a16="http://schemas.microsoft.com/office/drawing/2014/main" id="{98712324-5234-377E-68AD-C39E25B5576E}"/>
+              </a:ext>
+            </a:extLst>
+          </p:cNvPr>
+          <p:cNvSpPr>
+            <a:spLocks noGrp="1"/>
+          </p:cNvSpPr>
+          <p:nvPr>
+            <p:ph type="dt" sz="half" idx="10"/>
+          </p:nvPr>
         </p:nvSpPr>
         <p:spPr/>
         <p:txBody>
@@ -11993,95 +13846,59 @@
           <a:lstStyle/>
           <a:p>
             <a:r>
+              <a:rPr lang="en-US" dirty="0"/>
+              <a:t>28/06/2023</a:t>
+            </a:r>
+          </a:p>
+        </p:txBody>
+      </p:sp>
+      <p:sp>
+        <p:nvSpPr>
+          <p:cNvPr id="5" name="Θέση υποσέλιδου 4">
+            <a:extLst>
+              <a:ext uri="{FF2B5EF4-FFF2-40B4-BE49-F238E27FC236}">
+                <a16:creationId xmlns:a16="http://schemas.microsoft.com/office/drawing/2014/main" id="{EBD2EFD8-4CE7-912F-CD16-9BE73E9ADDFC}"/>
+              </a:ext>
+            </a:extLst>
+          </p:cNvPr>
+          <p:cNvSpPr>
+            <a:spLocks noGrp="1"/>
+          </p:cNvSpPr>
+          <p:nvPr>
+            <p:ph type="ftr" sz="quarter" idx="11"/>
+          </p:nvPr>
+        </p:nvSpPr>
+        <p:spPr/>
+        <p:txBody>
+          <a:bodyPr/>
+          <a:lstStyle/>
+          <a:p>
+            <a:r>
+              <a:rPr lang="el-GR" dirty="0" err="1"/>
+              <a:t>Υπλγος</a:t>
+            </a:r>
+            <a:r>
               <a:rPr lang="el-GR" dirty="0"/>
-              <a:t>Εξήγηση ότι η εφαρμογή έχει αυτήν τη στιγμή μόνο μια </a:t>
+              <a:t>(ΠΒ) Σωτηρίου Δημήτριος, </a:t>
             </a:r>
             <a:r>
               <a:rPr lang="el-GR" dirty="0" err="1"/>
-              <a:t>διεπαφή</a:t>
+              <a:t>Υπλγος</a:t>
             </a:r>
             <a:r>
               <a:rPr lang="el-GR" dirty="0"/>
-              <a:t> ιστού</a:t>
-            </a:r>
-          </a:p>
-          <a:p>
-            <a:r>
-              <a:rPr lang="el-GR" dirty="0"/>
-              <a:t>Αναφορά σε σχέδια για τη μελλοντική ανάπτυξη μιας κινητής εφαρμογής για βελτιωμένη προσβασιμότητα των χρηστών</a:t>
-            </a:r>
-          </a:p>
-          <a:p>
-            <a:pPr marL="0" indent="0">
-              <a:buNone/>
-            </a:pPr>
+              <a:t>(ΠΒ) Καραγιάννης Α. Αλέξανδρος. ΣΠΗΥ 141η Ε.Σ.</a:t>
+            </a:r>
             <a:endParaRPr lang="en-US" dirty="0"/>
           </a:p>
         </p:txBody>
       </p:sp>
       <p:sp>
         <p:nvSpPr>
-          <p:cNvPr id="4" name="Θέση ημερομηνίας 3">
+          <p:cNvPr id="6" name="Θέση αριθμού διαφάνειας 5">
             <a:extLst>
               <a:ext uri="{FF2B5EF4-FFF2-40B4-BE49-F238E27FC236}">
-                <a16:creationId xmlns:a16="http://schemas.microsoft.com/office/drawing/2014/main" id="{D63ECB70-7FAE-9741-0C24-695B598C38CE}"/>
-              </a:ext>
-            </a:extLst>
-          </p:cNvPr>
-          <p:cNvSpPr>
-            <a:spLocks noGrp="1"/>
-          </p:cNvSpPr>
-          <p:nvPr>
-            <p:ph type="dt" sz="half" idx="10"/>
-          </p:nvPr>
-        </p:nvSpPr>
-        <p:spPr/>
-        <p:txBody>
-          <a:bodyPr/>
-          <a:lstStyle/>
-          <a:p>
-            <a:r>
-              <a:rPr lang="en-US"/>
-              <a:t>28/06/2023</a:t>
-            </a:r>
-          </a:p>
-        </p:txBody>
-      </p:sp>
-      <p:sp>
-        <p:nvSpPr>
-          <p:cNvPr id="5" name="Θέση υποσέλιδου 4">
-            <a:extLst>
-              <a:ext uri="{FF2B5EF4-FFF2-40B4-BE49-F238E27FC236}">
-                <a16:creationId xmlns:a16="http://schemas.microsoft.com/office/drawing/2014/main" id="{7D124D12-4A57-63A1-FB18-19E7A51455A9}"/>
-              </a:ext>
-            </a:extLst>
-          </p:cNvPr>
-          <p:cNvSpPr>
-            <a:spLocks noGrp="1"/>
-          </p:cNvSpPr>
-          <p:nvPr>
-            <p:ph type="ftr" sz="quarter" idx="11"/>
-          </p:nvPr>
-        </p:nvSpPr>
-        <p:spPr/>
-        <p:txBody>
-          <a:bodyPr/>
-          <a:lstStyle/>
-          <a:p>
-            <a:r>
-              <a:rPr lang="el-GR"/>
-              <a:t>Υπλγος(ΠΒ) Σωτηρίου Δημήτριος, Υπλγος(ΠΒ) Καραγιάννης Α. Αλέξανδρος. ΣΠΗΥ 141η Ε.Σ.</a:t>
-            </a:r>
-            <a:endParaRPr lang="en-US"/>
-          </a:p>
-        </p:txBody>
-      </p:sp>
-      <p:sp>
-        <p:nvSpPr>
-          <p:cNvPr id="6" name="Θέση αριθμού διαφάνειας 5">
-            <a:extLst>
-              <a:ext uri="{FF2B5EF4-FFF2-40B4-BE49-F238E27FC236}">
-                <a16:creationId xmlns:a16="http://schemas.microsoft.com/office/drawing/2014/main" id="{B93C094F-3862-7F86-D42A-FC31B3E9179C}"/>
+                <a16:creationId xmlns:a16="http://schemas.microsoft.com/office/drawing/2014/main" id="{05F078A6-6F10-B717-A642-2F4910688CA3}"/>
               </a:ext>
             </a:extLst>
           </p:cNvPr>
@@ -12108,13 +13925,25 @@
     </p:spTree>
     <p:extLst>
       <p:ext uri="{BB962C8B-B14F-4D97-AF65-F5344CB8AC3E}">
-        <p14:creationId xmlns:p14="http://schemas.microsoft.com/office/powerpoint/2010/main" val="714826965"/>
+        <p14:creationId xmlns:p14="http://schemas.microsoft.com/office/powerpoint/2010/main" val="2025062861"/>
       </p:ext>
     </p:extLst>
   </p:cSld>
   <p:clrMapOvr>
     <a:masterClrMapping/>
   </p:clrMapOvr>
+  <mc:AlternateContent xmlns:mc="http://schemas.openxmlformats.org/markup-compatibility/2006">
+    <mc:Choice xmlns:p14="http://schemas.microsoft.com/office/powerpoint/2010/main" Requires="p14">
+      <p:transition spd="slow" p14:dur="800">
+        <p:circle/>
+      </p:transition>
+    </mc:Choice>
+    <mc:Fallback>
+      <p:transition spd="slow">
+        <p:circle/>
+      </p:transition>
+    </mc:Fallback>
+  </mc:AlternateContent>
 </p:sld>
 </file>
 
@@ -12135,12 +13964,201 @@
           <a:chExt cx="0" cy="0"/>
         </a:xfrm>
       </p:grpSpPr>
+      <p:pic>
+        <p:nvPicPr>
+          <p:cNvPr id="8" name="Θέση περιεχομένου 7" descr="Εικόνα που περιέχει στιγμιότυπο οθόνης, κείμενο, διάγραμμα, σχεδίαση&#10;&#10;Περιγραφή που δημιουργήθηκε αυτόματα">
+            <a:extLst>
+              <a:ext uri="{FF2B5EF4-FFF2-40B4-BE49-F238E27FC236}">
+                <a16:creationId xmlns:a16="http://schemas.microsoft.com/office/drawing/2014/main" id="{53599EB2-74B7-9DFC-3855-AA7517A9D45E}"/>
+              </a:ext>
+            </a:extLst>
+          </p:cNvPr>
+          <p:cNvPicPr>
+            <a:picLocks noGrp="1" noChangeAspect="1"/>
+          </p:cNvPicPr>
+          <p:nvPr>
+            <p:ph idx="1"/>
+          </p:nvPr>
+        </p:nvPicPr>
+        <p:blipFill>
+          <a:blip r:embed="rId2">
+            <a:extLst>
+              <a:ext uri="{28A0092B-C50C-407E-A947-70E740481C1C}">
+                <a14:useLocalDpi xmlns:a14="http://schemas.microsoft.com/office/drawing/2010/main" val="0"/>
+              </a:ext>
+            </a:extLst>
+          </a:blip>
+          <a:stretch>
+            <a:fillRect/>
+          </a:stretch>
+        </p:blipFill>
+        <p:spPr>
+          <a:xfrm>
+            <a:off x="1191777" y="1947752"/>
+            <a:ext cx="11355823" cy="7536051"/>
+          </a:xfrm>
+        </p:spPr>
+      </p:pic>
+      <p:pic>
+        <p:nvPicPr>
+          <p:cNvPr id="9" name="Εικόνα 8" descr="Εικόνα που περιέχει κείμενο, στιγμιότυπο οθόνης, διάγραμμα, σχεδίαση&#10;&#10;Περιγραφή που δημιουργήθηκε αυτόματα">
+            <a:extLst>
+              <a:ext uri="{FF2B5EF4-FFF2-40B4-BE49-F238E27FC236}">
+                <a16:creationId xmlns:a16="http://schemas.microsoft.com/office/drawing/2014/main" id="{6B77E4AA-5EEA-022D-2203-22D0760A71E1}"/>
+              </a:ext>
+            </a:extLst>
+          </p:cNvPr>
+          <p:cNvPicPr>
+            <a:picLocks noChangeAspect="1"/>
+          </p:cNvPicPr>
+          <p:nvPr/>
+        </p:nvPicPr>
+        <p:blipFill>
+          <a:blip r:embed="rId3">
+            <a:extLst>
+              <a:ext uri="{28A0092B-C50C-407E-A947-70E740481C1C}">
+                <a14:useLocalDpi xmlns:a14="http://schemas.microsoft.com/office/drawing/2010/main" val="0"/>
+              </a:ext>
+            </a:extLst>
+          </a:blip>
+          <a:stretch>
+            <a:fillRect/>
+          </a:stretch>
+        </p:blipFill>
+        <p:spPr>
+          <a:xfrm>
+            <a:off x="1191775" y="1947750"/>
+            <a:ext cx="11355824" cy="7536053"/>
+          </a:xfrm>
+          <a:prstGeom prst="rect">
+            <a:avLst/>
+          </a:prstGeom>
+        </p:spPr>
+      </p:pic>
+      <p:pic>
+        <p:nvPicPr>
+          <p:cNvPr id="10" name="Εικόνα 9" descr="Εικόνα που περιέχει στιγμιότυπο οθόνης, κείμενο, διάγραμμα, γραμμή&#10;&#10;Περιγραφή που δημιουργήθηκε αυτόματα">
+            <a:extLst>
+              <a:ext uri="{FF2B5EF4-FFF2-40B4-BE49-F238E27FC236}">
+                <a16:creationId xmlns:a16="http://schemas.microsoft.com/office/drawing/2014/main" id="{85C00D28-2D59-A4C4-FDEC-F04E6DDD2B1B}"/>
+              </a:ext>
+            </a:extLst>
+          </p:cNvPr>
+          <p:cNvPicPr>
+            <a:picLocks noChangeAspect="1"/>
+          </p:cNvPicPr>
+          <p:nvPr/>
+        </p:nvPicPr>
+        <p:blipFill>
+          <a:blip r:embed="rId4">
+            <a:extLst>
+              <a:ext uri="{28A0092B-C50C-407E-A947-70E740481C1C}">
+                <a14:useLocalDpi xmlns:a14="http://schemas.microsoft.com/office/drawing/2010/main" val="0"/>
+              </a:ext>
+            </a:extLst>
+          </a:blip>
+          <a:stretch>
+            <a:fillRect/>
+          </a:stretch>
+        </p:blipFill>
+        <p:spPr>
+          <a:xfrm>
+            <a:off x="1191774" y="1947498"/>
+            <a:ext cx="11355824" cy="7536053"/>
+          </a:xfrm>
+          <a:prstGeom prst="rect">
+            <a:avLst/>
+          </a:prstGeom>
+        </p:spPr>
+      </p:pic>
+      <p:pic>
+        <p:nvPicPr>
+          <p:cNvPr id="7" name="Εικόνα 6" descr="Εικόνα που περιέχει κείμενο, στιγμιότυπο οθόνης, διάγραμμα, σχεδίαση&#10;&#10;Περιγραφή που δημιουργήθηκε αυτόματα">
+            <a:extLst>
+              <a:ext uri="{FF2B5EF4-FFF2-40B4-BE49-F238E27FC236}">
+                <a16:creationId xmlns:a16="http://schemas.microsoft.com/office/drawing/2014/main" id="{8BA661D2-748E-4794-F003-EAE825E440D4}"/>
+              </a:ext>
+            </a:extLst>
+          </p:cNvPr>
+          <p:cNvPicPr>
+            <a:picLocks noChangeAspect="1"/>
+          </p:cNvPicPr>
+          <p:nvPr/>
+        </p:nvPicPr>
+        <p:blipFill>
+          <a:blip r:embed="rId5">
+            <a:extLst>
+              <a:ext uri="{28A0092B-C50C-407E-A947-70E740481C1C}">
+                <a14:useLocalDpi xmlns:a14="http://schemas.microsoft.com/office/drawing/2010/main" val="0"/>
+              </a:ext>
+            </a:extLst>
+          </a:blip>
+          <a:stretch>
+            <a:fillRect/>
+          </a:stretch>
+        </p:blipFill>
+        <p:spPr>
+          <a:xfrm>
+            <a:off x="1191776" y="1947750"/>
+            <a:ext cx="11355824" cy="7536053"/>
+          </a:xfrm>
+          <a:prstGeom prst="rect">
+            <a:avLst/>
+          </a:prstGeom>
+        </p:spPr>
+      </p:pic>
+      <p:sp>
+        <p:nvSpPr>
+          <p:cNvPr id="12" name="Ορθογώνιο 11">
+            <a:extLst>
+              <a:ext uri="{FF2B5EF4-FFF2-40B4-BE49-F238E27FC236}">
+                <a16:creationId xmlns:a16="http://schemas.microsoft.com/office/drawing/2014/main" id="{12575F64-8D4E-9E36-A369-83413A6E397B}"/>
+              </a:ext>
+            </a:extLst>
+          </p:cNvPr>
+          <p:cNvSpPr/>
+          <p:nvPr/>
+        </p:nvSpPr>
+        <p:spPr>
+          <a:xfrm>
+            <a:off x="2625969" y="1032069"/>
+            <a:ext cx="9566031" cy="1025332"/>
+          </a:xfrm>
+          <a:prstGeom prst="rect">
+            <a:avLst/>
+          </a:prstGeom>
+        </p:spPr>
+        <p:style>
+          <a:lnRef idx="2">
+            <a:schemeClr val="dk1">
+              <a:shade val="15000"/>
+            </a:schemeClr>
+          </a:lnRef>
+          <a:fillRef idx="1">
+            <a:schemeClr val="dk1"/>
+          </a:fillRef>
+          <a:effectRef idx="0">
+            <a:schemeClr val="dk1"/>
+          </a:effectRef>
+          <a:fontRef idx="minor">
+            <a:schemeClr val="lt1"/>
+          </a:fontRef>
+        </p:style>
+        <p:txBody>
+          <a:bodyPr rtlCol="0" anchor="ctr"/>
+          <a:lstStyle/>
+          <a:p>
+            <a:pPr algn="ctr"/>
+            <a:endParaRPr lang="en-US"/>
+          </a:p>
+        </p:txBody>
+      </p:sp>
       <p:sp>
         <p:nvSpPr>
           <p:cNvPr id="2" name="Τίτλος 1">
             <a:extLst>
               <a:ext uri="{FF2B5EF4-FFF2-40B4-BE49-F238E27FC236}">
-                <a16:creationId xmlns:a16="http://schemas.microsoft.com/office/drawing/2014/main" id="{2471EC2E-A688-34E1-0286-5739DA932276}"/>
+                <a16:creationId xmlns:a16="http://schemas.microsoft.com/office/drawing/2014/main" id="{40E590E0-9E9A-C772-A2DC-E8B941D6B130}"/>
               </a:ext>
             </a:extLst>
           </p:cNvPr>
@@ -12164,7 +14182,7 @@
                 <a:latin typeface="Cambria" panose="02040503050406030204" pitchFamily="18" charset="0"/>
                 <a:ea typeface="Cambria" panose="02040503050406030204" pitchFamily="18" charset="0"/>
               </a:rPr>
-              <a:t>Ειδοποιησεις</a:t>
+              <a:t>Βαση</a:t>
             </a:r>
             <a:r>
               <a:rPr lang="el-GR" dirty="0">
@@ -12174,7 +14192,17 @@
                 <a:latin typeface="Cambria" panose="02040503050406030204" pitchFamily="18" charset="0"/>
                 <a:ea typeface="Cambria" panose="02040503050406030204" pitchFamily="18" charset="0"/>
               </a:rPr>
-              <a:t> &amp;</a:t>
+              <a:t> </a:t>
+            </a:r>
+            <a:r>
+              <a:rPr lang="el-GR" dirty="0" err="1">
+                <a:solidFill>
+                  <a:srgbClr val="FFC000"/>
+                </a:solidFill>
+                <a:latin typeface="Cambria" panose="02040503050406030204" pitchFamily="18" charset="0"/>
+                <a:ea typeface="Cambria" panose="02040503050406030204" pitchFamily="18" charset="0"/>
+              </a:rPr>
+              <a:t>δεδομενων</a:t>
             </a:r>
             <a:br>
               <a:rPr lang="el-GR" dirty="0">
@@ -12186,14 +14214,14 @@
               </a:rPr>
             </a:br>
             <a:r>
-              <a:rPr lang="el-GR" dirty="0" err="1">
+              <a:rPr lang="en-US" dirty="0">
                 <a:solidFill>
                   <a:srgbClr val="FFC000"/>
                 </a:solidFill>
                 <a:latin typeface="Cambria" panose="02040503050406030204" pitchFamily="18" charset="0"/>
                 <a:ea typeface="Cambria" panose="02040503050406030204" pitchFamily="18" charset="0"/>
               </a:rPr>
-              <a:t>Λιστα</a:t>
+              <a:t>Group</a:t>
             </a:r>
             <a:r>
               <a:rPr lang="el-GR" dirty="0">
@@ -12203,50 +14231,64 @@
                 <a:latin typeface="Cambria" panose="02040503050406030204" pitchFamily="18" charset="0"/>
                 <a:ea typeface="Cambria" panose="02040503050406030204" pitchFamily="18" charset="0"/>
               </a:rPr>
-              <a:t> Επιθυμητών</a:t>
-            </a:r>
-            <a:endParaRPr lang="en-US" dirty="0">
-              <a:solidFill>
-                <a:srgbClr val="FFC000"/>
-              </a:solidFill>
-              <a:latin typeface="Cambria" panose="02040503050406030204" pitchFamily="18" charset="0"/>
-              <a:ea typeface="Cambria" panose="02040503050406030204" pitchFamily="18" charset="0"/>
-            </a:endParaRPr>
-          </a:p>
-        </p:txBody>
-      </p:sp>
-      <p:sp>
-        <p:nvSpPr>
-          <p:cNvPr id="3" name="Θέση περιεχομένου 2">
+              <a:t> </a:t>
+            </a:r>
+            <a:r>
+              <a:rPr lang="en-US" dirty="0">
+                <a:solidFill>
+                  <a:srgbClr val="FFC000"/>
+                </a:solidFill>
+                <a:latin typeface="Cambria" panose="02040503050406030204" pitchFamily="18" charset="0"/>
+                <a:ea typeface="Cambria" panose="02040503050406030204" pitchFamily="18" charset="0"/>
+              </a:rPr>
+              <a:t>Buy</a:t>
+            </a:r>
+          </a:p>
+        </p:txBody>
+      </p:sp>
+      <p:sp>
+        <p:nvSpPr>
+          <p:cNvPr id="11" name="Ορθογώνιο 10">
             <a:extLst>
               <a:ext uri="{FF2B5EF4-FFF2-40B4-BE49-F238E27FC236}">
-                <a16:creationId xmlns:a16="http://schemas.microsoft.com/office/drawing/2014/main" id="{37840A1C-E01C-5B91-C5AF-A96F16B13801}"/>
+                <a16:creationId xmlns:a16="http://schemas.microsoft.com/office/drawing/2014/main" id="{EACF33C4-0C40-E4CF-0802-ECC916849026}"/>
               </a:ext>
             </a:extLst>
           </p:cNvPr>
-          <p:cNvSpPr>
-            <a:spLocks noGrp="1"/>
-          </p:cNvSpPr>
-          <p:nvPr>
-            <p:ph idx="1"/>
-          </p:nvPr>
-        </p:nvSpPr>
-        <p:spPr/>
-        <p:txBody>
-          <a:bodyPr/>
-          <a:lstStyle/>
-          <a:p>
-            <a:r>
-              <a:rPr lang="el-GR" dirty="0"/>
-              <a:t>Περιγραφή της λειτουργίας της λίστας επιθυμητών και των ειδοποιήσεων για προσφορές σχετικά με τα επιθυμητά προϊόντα του χρήστη</a:t>
-            </a:r>
-          </a:p>
-          <a:p>
-            <a:r>
-              <a:rPr lang="el-GR" dirty="0"/>
-              <a:t>Αναφορά στη δημιουργία ειδοποιήσεων για κάθε ενέργεια στην εφαρμογή, όπως δημιουργία προσφοράς, και στην εμφάνιση ειδοποιήσεων μόνο για σχετικές προσφορές</a:t>
-            </a:r>
-            <a:endParaRPr lang="en-US" dirty="0"/>
+          <p:cNvSpPr/>
+          <p:nvPr/>
+        </p:nvSpPr>
+        <p:spPr>
+          <a:xfrm>
+            <a:off x="0" y="6126228"/>
+            <a:ext cx="12192000" cy="731772"/>
+          </a:xfrm>
+          <a:prstGeom prst="rect">
+            <a:avLst/>
+          </a:prstGeom>
+        </p:spPr>
+        <p:style>
+          <a:lnRef idx="2">
+            <a:schemeClr val="dk1">
+              <a:shade val="15000"/>
+            </a:schemeClr>
+          </a:lnRef>
+          <a:fillRef idx="1">
+            <a:schemeClr val="dk1"/>
+          </a:fillRef>
+          <a:effectRef idx="0">
+            <a:schemeClr val="dk1"/>
+          </a:effectRef>
+          <a:fontRef idx="minor">
+            <a:schemeClr val="lt1"/>
+          </a:fontRef>
+        </p:style>
+        <p:txBody>
+          <a:bodyPr rtlCol="0" anchor="ctr"/>
+          <a:lstStyle/>
+          <a:p>
+            <a:pPr algn="ctr"/>
+            <a:endParaRPr lang="en-US"/>
           </a:p>
         </p:txBody>
       </p:sp>
@@ -12255,7 +14297,7 @@
           <p:cNvPr id="4" name="Θέση ημερομηνίας 3">
             <a:extLst>
               <a:ext uri="{FF2B5EF4-FFF2-40B4-BE49-F238E27FC236}">
-                <a16:creationId xmlns:a16="http://schemas.microsoft.com/office/drawing/2014/main" id="{9348DAEB-1DB1-A7CA-0CF7-A8E9E15580C5}"/>
+                <a16:creationId xmlns:a16="http://schemas.microsoft.com/office/drawing/2014/main" id="{98712324-5234-377E-68AD-C39E25B5576E}"/>
               </a:ext>
             </a:extLst>
           </p:cNvPr>
@@ -12283,7 +14325,7 @@
           <p:cNvPr id="5" name="Θέση υποσέλιδου 4">
             <a:extLst>
               <a:ext uri="{FF2B5EF4-FFF2-40B4-BE49-F238E27FC236}">
-                <a16:creationId xmlns:a16="http://schemas.microsoft.com/office/drawing/2014/main" id="{326DDA49-9900-E96B-6FF4-5A1095101CC1}"/>
+                <a16:creationId xmlns:a16="http://schemas.microsoft.com/office/drawing/2014/main" id="{EBD2EFD8-4CE7-912F-CD16-9BE73E9ADDFC}"/>
               </a:ext>
             </a:extLst>
           </p:cNvPr>
@@ -12312,7 +14354,7 @@
           <p:cNvPr id="6" name="Θέση αριθμού διαφάνειας 5">
             <a:extLst>
               <a:ext uri="{FF2B5EF4-FFF2-40B4-BE49-F238E27FC236}">
-                <a16:creationId xmlns:a16="http://schemas.microsoft.com/office/drawing/2014/main" id="{6D25A1F1-4A78-5F44-FDCE-A16E208ECE37}"/>
+                <a16:creationId xmlns:a16="http://schemas.microsoft.com/office/drawing/2014/main" id="{05F078A6-6F10-B717-A642-2F4910688CA3}"/>
               </a:ext>
             </a:extLst>
           </p:cNvPr>
@@ -12339,13 +14381,25 @@
     </p:spTree>
     <p:extLst>
       <p:ext uri="{BB962C8B-B14F-4D97-AF65-F5344CB8AC3E}">
-        <p14:creationId xmlns:p14="http://schemas.microsoft.com/office/powerpoint/2010/main" val="4221345638"/>
+        <p14:creationId xmlns:p14="http://schemas.microsoft.com/office/powerpoint/2010/main" val="3897480373"/>
       </p:ext>
     </p:extLst>
   </p:cSld>
   <p:clrMapOvr>
     <a:masterClrMapping/>
   </p:clrMapOvr>
+  <mc:AlternateContent xmlns:mc="http://schemas.openxmlformats.org/markup-compatibility/2006">
+    <mc:Choice xmlns:p159="http://schemas.microsoft.com/office/powerpoint/2015/09/main" Requires="p159">
+      <p:transition xmlns:p14="http://schemas.microsoft.com/office/powerpoint/2010/main" spd="slow" p14:dur="2000">
+        <p159:morph option="byObject"/>
+      </p:transition>
+    </mc:Choice>
+    <mc:Fallback>
+      <p:transition spd="slow">
+        <p:fade/>
+      </p:transition>
+    </mc:Fallback>
+  </mc:AlternateContent>
 </p:sld>
 </file>
 
@@ -12366,12 +14420,202 @@
           <a:chExt cx="0" cy="0"/>
         </a:xfrm>
       </p:grpSpPr>
+      <p:pic>
+        <p:nvPicPr>
+          <p:cNvPr id="12" name="Εικόνα 11" descr="Εικόνα που περιέχει κείμενο, στιγμιότυπο οθόνης, διάγραμμα, σχεδίαση&#10;&#10;Περιγραφή που δημιουργήθηκε αυτόματα">
+            <a:extLst>
+              <a:ext uri="{FF2B5EF4-FFF2-40B4-BE49-F238E27FC236}">
+                <a16:creationId xmlns:a16="http://schemas.microsoft.com/office/drawing/2014/main" id="{9B3AFC33-78A2-A921-CE8A-A5AD9B26197C}"/>
+              </a:ext>
+            </a:extLst>
+          </p:cNvPr>
+          <p:cNvPicPr>
+            <a:picLocks noChangeAspect="1"/>
+          </p:cNvPicPr>
+          <p:nvPr/>
+        </p:nvPicPr>
+        <p:blipFill>
+          <a:blip r:embed="rId2">
+            <a:extLst>
+              <a:ext uri="{28A0092B-C50C-407E-A947-70E740481C1C}">
+                <a14:useLocalDpi xmlns:a14="http://schemas.microsoft.com/office/drawing/2010/main" val="0"/>
+              </a:ext>
+            </a:extLst>
+          </a:blip>
+          <a:stretch>
+            <a:fillRect/>
+          </a:stretch>
+        </p:blipFill>
+        <p:spPr>
+          <a:xfrm>
+            <a:off x="685801" y="1032573"/>
+            <a:ext cx="11355824" cy="7536053"/>
+          </a:xfrm>
+          <a:prstGeom prst="rect">
+            <a:avLst/>
+          </a:prstGeom>
+        </p:spPr>
+      </p:pic>
+      <p:pic>
+        <p:nvPicPr>
+          <p:cNvPr id="13" name="Εικόνα 12" descr="Εικόνα που περιέχει στιγμιότυπο οθόνης, κείμενο, διάγραμμα, γραμμή&#10;&#10;Περιγραφή που δημιουργήθηκε αυτόματα">
+            <a:extLst>
+              <a:ext uri="{FF2B5EF4-FFF2-40B4-BE49-F238E27FC236}">
+                <a16:creationId xmlns:a16="http://schemas.microsoft.com/office/drawing/2014/main" id="{8B8D5017-086E-B897-442A-F905D5F175D7}"/>
+              </a:ext>
+            </a:extLst>
+          </p:cNvPr>
+          <p:cNvPicPr>
+            <a:picLocks noChangeAspect="1"/>
+          </p:cNvPicPr>
+          <p:nvPr/>
+        </p:nvPicPr>
+        <p:blipFill>
+          <a:blip r:embed="rId3">
+            <a:extLst>
+              <a:ext uri="{28A0092B-C50C-407E-A947-70E740481C1C}">
+                <a14:useLocalDpi xmlns:a14="http://schemas.microsoft.com/office/drawing/2010/main" val="0"/>
+              </a:ext>
+            </a:extLst>
+          </a:blip>
+          <a:stretch>
+            <a:fillRect/>
+          </a:stretch>
+        </p:blipFill>
+        <p:spPr>
+          <a:xfrm>
+            <a:off x="685799" y="1032321"/>
+            <a:ext cx="11355824" cy="7536053"/>
+          </a:xfrm>
+          <a:prstGeom prst="rect">
+            <a:avLst/>
+          </a:prstGeom>
+        </p:spPr>
+      </p:pic>
+      <p:pic>
+        <p:nvPicPr>
+          <p:cNvPr id="14" name="Θέση περιεχομένου 7" descr="Εικόνα που περιέχει στιγμιότυπο οθόνης, κείμενο, διάγραμμα, σχεδίαση&#10;&#10;Περιγραφή που δημιουργήθηκε αυτόματα">
+            <a:extLst>
+              <a:ext uri="{FF2B5EF4-FFF2-40B4-BE49-F238E27FC236}">
+                <a16:creationId xmlns:a16="http://schemas.microsoft.com/office/drawing/2014/main" id="{36712B5B-CE84-B43C-B434-69100E2D49DD}"/>
+              </a:ext>
+            </a:extLst>
+          </p:cNvPr>
+          <p:cNvPicPr>
+            <a:picLocks noChangeAspect="1"/>
+          </p:cNvPicPr>
+          <p:nvPr/>
+        </p:nvPicPr>
+        <p:blipFill>
+          <a:blip r:embed="rId4">
+            <a:extLst>
+              <a:ext uri="{28A0092B-C50C-407E-A947-70E740481C1C}">
+                <a14:useLocalDpi xmlns:a14="http://schemas.microsoft.com/office/drawing/2010/main" val="0"/>
+              </a:ext>
+            </a:extLst>
+          </a:blip>
+          <a:stretch>
+            <a:fillRect/>
+          </a:stretch>
+        </p:blipFill>
+        <p:spPr>
+          <a:xfrm>
+            <a:off x="685802" y="1032575"/>
+            <a:ext cx="11355823" cy="7536051"/>
+          </a:xfrm>
+          <a:prstGeom prst="rect">
+            <a:avLst/>
+          </a:prstGeom>
+        </p:spPr>
+      </p:pic>
+      <p:pic>
+        <p:nvPicPr>
+          <p:cNvPr id="15" name="Εικόνα 14" descr="Εικόνα που περιέχει κείμενο, στιγμιότυπο οθόνης, διάγραμμα, σχεδίαση&#10;&#10;Περιγραφή που δημιουργήθηκε αυτόματα">
+            <a:extLst>
+              <a:ext uri="{FF2B5EF4-FFF2-40B4-BE49-F238E27FC236}">
+                <a16:creationId xmlns:a16="http://schemas.microsoft.com/office/drawing/2014/main" id="{48E0A53E-FF78-859E-6A6A-B8B66988F4A0}"/>
+              </a:ext>
+            </a:extLst>
+          </p:cNvPr>
+          <p:cNvPicPr>
+            <a:picLocks noChangeAspect="1"/>
+          </p:cNvPicPr>
+          <p:nvPr/>
+        </p:nvPicPr>
+        <p:blipFill>
+          <a:blip r:embed="rId5">
+            <a:extLst>
+              <a:ext uri="{28A0092B-C50C-407E-A947-70E740481C1C}">
+                <a14:useLocalDpi xmlns:a14="http://schemas.microsoft.com/office/drawing/2010/main" val="0"/>
+              </a:ext>
+            </a:extLst>
+          </a:blip>
+          <a:stretch>
+            <a:fillRect/>
+          </a:stretch>
+        </p:blipFill>
+        <p:spPr>
+          <a:xfrm>
+            <a:off x="685800" y="1032573"/>
+            <a:ext cx="11355824" cy="7536053"/>
+          </a:xfrm>
+          <a:prstGeom prst="rect">
+            <a:avLst/>
+          </a:prstGeom>
+        </p:spPr>
+      </p:pic>
+      <p:sp>
+        <p:nvSpPr>
+          <p:cNvPr id="18" name="Ορθογώνιο 17">
+            <a:extLst>
+              <a:ext uri="{FF2B5EF4-FFF2-40B4-BE49-F238E27FC236}">
+                <a16:creationId xmlns:a16="http://schemas.microsoft.com/office/drawing/2014/main" id="{0D63C28B-D233-268E-5D7D-111EE02B2027}"/>
+              </a:ext>
+            </a:extLst>
+          </p:cNvPr>
+          <p:cNvSpPr/>
+          <p:nvPr/>
+        </p:nvSpPr>
+        <p:spPr>
+          <a:xfrm>
+            <a:off x="2625969" y="1032069"/>
+            <a:ext cx="9566031" cy="1025332"/>
+          </a:xfrm>
+          <a:prstGeom prst="rect">
+            <a:avLst/>
+          </a:prstGeom>
+        </p:spPr>
+        <p:style>
+          <a:lnRef idx="2">
+            <a:schemeClr val="dk1">
+              <a:shade val="15000"/>
+            </a:schemeClr>
+          </a:lnRef>
+          <a:fillRef idx="1">
+            <a:schemeClr val="dk1"/>
+          </a:fillRef>
+          <a:effectRef idx="0">
+            <a:schemeClr val="dk1"/>
+          </a:effectRef>
+          <a:fontRef idx="minor">
+            <a:schemeClr val="lt1"/>
+          </a:fontRef>
+        </p:style>
+        <p:txBody>
+          <a:bodyPr rtlCol="0" anchor="ctr"/>
+          <a:lstStyle/>
+          <a:p>
+            <a:pPr algn="ctr"/>
+            <a:endParaRPr lang="en-US"/>
+          </a:p>
+        </p:txBody>
+      </p:sp>
       <p:sp>
         <p:nvSpPr>
           <p:cNvPr id="2" name="Τίτλος 1">
             <a:extLst>
               <a:ext uri="{FF2B5EF4-FFF2-40B4-BE49-F238E27FC236}">
-                <a16:creationId xmlns:a16="http://schemas.microsoft.com/office/drawing/2014/main" id="{F6BF4492-4989-881A-FE52-FEF4B27FB572}"/>
+                <a16:creationId xmlns:a16="http://schemas.microsoft.com/office/drawing/2014/main" id="{40E590E0-9E9A-C772-A2DC-E8B941D6B130}"/>
               </a:ext>
             </a:extLst>
           </p:cNvPr>
@@ -12395,7 +14639,7 @@
                 <a:latin typeface="Cambria" panose="02040503050406030204" pitchFamily="18" charset="0"/>
                 <a:ea typeface="Cambria" panose="02040503050406030204" pitchFamily="18" charset="0"/>
               </a:rPr>
-              <a:t>Προσφορες</a:t>
+              <a:t>Βαση</a:t>
             </a:r>
             <a:r>
               <a:rPr lang="el-GR" dirty="0">
@@ -12415,56 +14659,93 @@
                 <a:latin typeface="Cambria" panose="02040503050406030204" pitchFamily="18" charset="0"/>
                 <a:ea typeface="Cambria" panose="02040503050406030204" pitchFamily="18" charset="0"/>
               </a:rPr>
-              <a:t>Επιχειρησεων</a:t>
-            </a:r>
-            <a:endParaRPr lang="en-US" dirty="0">
-              <a:solidFill>
-                <a:srgbClr val="FFC000"/>
-              </a:solidFill>
-              <a:latin typeface="Cambria" panose="02040503050406030204" pitchFamily="18" charset="0"/>
-              <a:ea typeface="Cambria" panose="02040503050406030204" pitchFamily="18" charset="0"/>
-            </a:endParaRPr>
-          </a:p>
-        </p:txBody>
-      </p:sp>
-      <p:sp>
-        <p:nvSpPr>
-          <p:cNvPr id="3" name="Θέση περιεχομένου 2">
+              <a:t>δεδομενων</a:t>
+            </a:r>
+            <a:br>
+              <a:rPr lang="el-GR" dirty="0">
+                <a:solidFill>
+                  <a:srgbClr val="FFC000"/>
+                </a:solidFill>
+                <a:latin typeface="Cambria" panose="02040503050406030204" pitchFamily="18" charset="0"/>
+                <a:ea typeface="Cambria" panose="02040503050406030204" pitchFamily="18" charset="0"/>
+              </a:rPr>
+            </a:br>
+            <a:r>
+              <a:rPr lang="en-US" dirty="0">
+                <a:solidFill>
+                  <a:srgbClr val="FFC000"/>
+                </a:solidFill>
+                <a:latin typeface="Cambria" panose="02040503050406030204" pitchFamily="18" charset="0"/>
+                <a:ea typeface="Cambria" panose="02040503050406030204" pitchFamily="18" charset="0"/>
+              </a:rPr>
+              <a:t>Group</a:t>
+            </a:r>
+            <a:r>
+              <a:rPr lang="el-GR" dirty="0">
+                <a:solidFill>
+                  <a:srgbClr val="FFC000"/>
+                </a:solidFill>
+                <a:latin typeface="Cambria" panose="02040503050406030204" pitchFamily="18" charset="0"/>
+                <a:ea typeface="Cambria" panose="02040503050406030204" pitchFamily="18" charset="0"/>
+              </a:rPr>
+              <a:t> </a:t>
+            </a:r>
+            <a:r>
+              <a:rPr lang="en-US" dirty="0">
+                <a:solidFill>
+                  <a:srgbClr val="FFC000"/>
+                </a:solidFill>
+                <a:latin typeface="Cambria" panose="02040503050406030204" pitchFamily="18" charset="0"/>
+                <a:ea typeface="Cambria" panose="02040503050406030204" pitchFamily="18" charset="0"/>
+              </a:rPr>
+              <a:t>Buy</a:t>
+            </a:r>
+          </a:p>
+        </p:txBody>
+      </p:sp>
+      <p:sp>
+        <p:nvSpPr>
+          <p:cNvPr id="11" name="Ορθογώνιο 10">
             <a:extLst>
               <a:ext uri="{FF2B5EF4-FFF2-40B4-BE49-F238E27FC236}">
-                <a16:creationId xmlns:a16="http://schemas.microsoft.com/office/drawing/2014/main" id="{FC601B3A-0B07-5C7B-3E65-B325A96EF4D4}"/>
+                <a16:creationId xmlns:a16="http://schemas.microsoft.com/office/drawing/2014/main" id="{BA445835-DB12-4DC8-9A73-F486A0FB0146}"/>
               </a:ext>
             </a:extLst>
           </p:cNvPr>
-          <p:cNvSpPr>
-            <a:spLocks noGrp="1"/>
-          </p:cNvSpPr>
-          <p:nvPr>
-            <p:ph idx="1"/>
-          </p:nvPr>
-        </p:nvSpPr>
-        <p:spPr/>
-        <p:txBody>
-          <a:bodyPr/>
-          <a:lstStyle/>
-          <a:p>
-            <a:r>
-              <a:rPr lang="el-GR" dirty="0"/>
-              <a:t>Αναφορά στη δυνατότητα δημιουργίας προσφορών από τις επιχειρήσεις για οποιοδήποτε μέγεθος ομάδας και ποσότητα προϊόντων επιθυμούν</a:t>
-            </a:r>
-          </a:p>
-          <a:p>
-            <a:r>
-              <a:rPr lang="el-GR" dirty="0"/>
-              <a:t>Επισήμανση της προβολής αριθμητήρα για το πόσοι χρήστες έχουν προσθέσει ένα προϊόν στη λίστα επιθυμητών τους</a:t>
-            </a:r>
-          </a:p>
-          <a:p>
-            <a:r>
-              <a:rPr lang="el-GR" dirty="0"/>
-              <a:t>Αναφορά στις μελλοντικές δυνατότητες παροχής πληροφοριών στις επιχειρήσεις σχετικά με τα προϊόντα που προβάλλονται περισσότερο ή αγοράζονται περισσότερο</a:t>
-            </a:r>
-            <a:endParaRPr lang="en-US" dirty="0"/>
+          <p:cNvSpPr/>
+          <p:nvPr/>
+        </p:nvSpPr>
+        <p:spPr>
+          <a:xfrm>
+            <a:off x="0" y="6126228"/>
+            <a:ext cx="12192000" cy="731772"/>
+          </a:xfrm>
+          <a:prstGeom prst="rect">
+            <a:avLst/>
+          </a:prstGeom>
+        </p:spPr>
+        <p:style>
+          <a:lnRef idx="2">
+            <a:schemeClr val="dk1">
+              <a:shade val="15000"/>
+            </a:schemeClr>
+          </a:lnRef>
+          <a:fillRef idx="1">
+            <a:schemeClr val="dk1"/>
+          </a:fillRef>
+          <a:effectRef idx="0">
+            <a:schemeClr val="dk1"/>
+          </a:effectRef>
+          <a:fontRef idx="minor">
+            <a:schemeClr val="lt1"/>
+          </a:fontRef>
+        </p:style>
+        <p:txBody>
+          <a:bodyPr rtlCol="0" anchor="ctr"/>
+          <a:lstStyle/>
+          <a:p>
+            <a:pPr algn="ctr"/>
+            <a:endParaRPr lang="en-US"/>
           </a:p>
         </p:txBody>
       </p:sp>
@@ -12473,7 +14754,7 @@
           <p:cNvPr id="4" name="Θέση ημερομηνίας 3">
             <a:extLst>
               <a:ext uri="{FF2B5EF4-FFF2-40B4-BE49-F238E27FC236}">
-                <a16:creationId xmlns:a16="http://schemas.microsoft.com/office/drawing/2014/main" id="{85429EA8-9BCA-5BC8-7221-44A882FA156B}"/>
+                <a16:creationId xmlns:a16="http://schemas.microsoft.com/office/drawing/2014/main" id="{98712324-5234-377E-68AD-C39E25B5576E}"/>
               </a:ext>
             </a:extLst>
           </p:cNvPr>
@@ -12501,7 +14782,7 @@
           <p:cNvPr id="5" name="Θέση υποσέλιδου 4">
             <a:extLst>
               <a:ext uri="{FF2B5EF4-FFF2-40B4-BE49-F238E27FC236}">
-                <a16:creationId xmlns:a16="http://schemas.microsoft.com/office/drawing/2014/main" id="{644C25E8-10D6-03C1-71B8-8FA397451FF5}"/>
+                <a16:creationId xmlns:a16="http://schemas.microsoft.com/office/drawing/2014/main" id="{EBD2EFD8-4CE7-912F-CD16-9BE73E9ADDFC}"/>
               </a:ext>
             </a:extLst>
           </p:cNvPr>
@@ -12530,7 +14811,7 @@
           <p:cNvPr id="6" name="Θέση αριθμού διαφάνειας 5">
             <a:extLst>
               <a:ext uri="{FF2B5EF4-FFF2-40B4-BE49-F238E27FC236}">
-                <a16:creationId xmlns:a16="http://schemas.microsoft.com/office/drawing/2014/main" id="{F52D513C-E6AD-461C-E63B-6F5CEA24815B}"/>
+                <a16:creationId xmlns:a16="http://schemas.microsoft.com/office/drawing/2014/main" id="{05F078A6-6F10-B717-A642-2F4910688CA3}"/>
               </a:ext>
             </a:extLst>
           </p:cNvPr>
@@ -12557,13 +14838,25 @@
     </p:spTree>
     <p:extLst>
       <p:ext uri="{BB962C8B-B14F-4D97-AF65-F5344CB8AC3E}">
-        <p14:creationId xmlns:p14="http://schemas.microsoft.com/office/powerpoint/2010/main" val="1414013989"/>
+        <p14:creationId xmlns:p14="http://schemas.microsoft.com/office/powerpoint/2010/main" val="2018316622"/>
       </p:ext>
     </p:extLst>
   </p:cSld>
   <p:clrMapOvr>
     <a:masterClrMapping/>
   </p:clrMapOvr>
+  <mc:AlternateContent xmlns:mc="http://schemas.openxmlformats.org/markup-compatibility/2006">
+    <mc:Choice xmlns:p159="http://schemas.microsoft.com/office/powerpoint/2015/09/main" Requires="p159">
+      <p:transition xmlns:p14="http://schemas.microsoft.com/office/powerpoint/2010/main" spd="slow" p14:dur="2000">
+        <p159:morph option="byObject"/>
+      </p:transition>
+    </mc:Choice>
+    <mc:Fallback>
+      <p:transition spd="slow">
+        <p:fade/>
+      </p:transition>
+    </mc:Fallback>
+  </mc:AlternateContent>
 </p:sld>
 </file>
 
